--- a/2023 NBA Finals Presentation_6.7.2023.pptx
+++ b/2023 NBA Finals Presentation_6.7.2023.pptx
@@ -127,1099 +127,6 @@
     </p:ext>
   </p:extLst>
 </p:presentation>
-</file>
-
-<file path=ppt/charts/chart1.xml><?xml version="1.0" encoding="utf-8"?>
-<c:chartSpace xmlns:c="http://schemas.openxmlformats.org/drawingml/2006/chart" xmlns:a="http://schemas.openxmlformats.org/drawingml/2006/main" xmlns:r="http://schemas.openxmlformats.org/officeDocument/2006/relationships" xmlns:c16r2="http://schemas.microsoft.com/office/drawing/2015/06/chart">
-  <c:date1904 val="0"/>
-  <c:lang val="en-US"/>
-  <c:roundedCorners val="0"/>
-  <mc:AlternateContent xmlns:mc="http://schemas.openxmlformats.org/markup-compatibility/2006">
-    <mc:Choice xmlns:c14="http://schemas.microsoft.com/office/drawing/2007/8/2/chart" Requires="c14">
-      <c14:style val="102"/>
-    </mc:Choice>
-    <mc:Fallback>
-      <c:style val="2"/>
-    </mc:Fallback>
-  </mc:AlternateContent>
-  <c:chart>
-    <c:autoTitleDeleted val="1"/>
-    <c:plotArea>
-      <c:layout/>
-      <c:barChart>
-        <c:barDir val="col"/>
-        <c:grouping val="clustered"/>
-        <c:varyColors val="0"/>
-        <c:ser>
-          <c:idx val="0"/>
-          <c:order val="0"/>
-          <c:tx>
-            <c:strRef>
-              <c:f>Sheet1!$B$1</c:f>
-              <c:strCache>
-                <c:ptCount val="1"/>
-                <c:pt idx="0">
-                  <c:v>Series 1</c:v>
-                </c:pt>
-              </c:strCache>
-            </c:strRef>
-          </c:tx>
-          <c:spPr>
-            <a:solidFill>
-              <a:schemeClr val="accent1"/>
-            </a:solidFill>
-            <a:ln>
-              <a:noFill/>
-            </a:ln>
-            <a:effectLst/>
-          </c:spPr>
-          <c:invertIfNegative val="0"/>
-          <c:dLbls>
-            <c:spPr>
-              <a:noFill/>
-              <a:ln>
-                <a:noFill/>
-              </a:ln>
-              <a:effectLst/>
-            </c:spPr>
-            <c:txPr>
-              <a:bodyPr rot="0" spcFirstLastPara="1" vertOverflow="ellipsis" vert="horz" wrap="square" lIns="38100" tIns="19050" rIns="38100" bIns="19050" anchor="ctr" anchorCtr="1">
-                <a:spAutoFit/>
-              </a:bodyPr>
-              <a:lstStyle/>
-              <a:p>
-                <a:pPr>
-                  <a:defRPr sz="1197" b="0" i="0" u="none" strike="noStrike" kern="1200" baseline="0">
-                    <a:solidFill>
-                      <a:schemeClr val="tx1">
-                        <a:lumMod val="75000"/>
-                        <a:lumOff val="25000"/>
-                      </a:schemeClr>
-                    </a:solidFill>
-                    <a:latin typeface="+mn-lt"/>
-                    <a:ea typeface="+mn-ea"/>
-                    <a:cs typeface="+mn-cs"/>
-                  </a:defRPr>
-                </a:pPr>
-                <a:endParaRPr lang="en-US"/>
-              </a:p>
-            </c:txPr>
-            <c:showLegendKey val="0"/>
-            <c:showVal val="1"/>
-            <c:showCatName val="0"/>
-            <c:showSerName val="0"/>
-            <c:showPercent val="0"/>
-            <c:showBubbleSize val="0"/>
-            <c:showLeaderLines val="0"/>
-            <c:extLst>
-              <c:ext xmlns:c15="http://schemas.microsoft.com/office/drawing/2012/chart" uri="{CE6537A1-D6FC-4f65-9D91-7224C49458BB}">
-                <c15:showLeaderLines val="1"/>
-                <c15:leaderLines>
-                  <c:spPr>
-                    <a:ln w="9525" cap="flat" cmpd="sng" algn="ctr">
-                      <a:solidFill>
-                        <a:schemeClr val="tx1">
-                          <a:lumMod val="35000"/>
-                          <a:lumOff val="65000"/>
-                        </a:schemeClr>
-                      </a:solidFill>
-                      <a:round/>
-                    </a:ln>
-                    <a:effectLst/>
-                  </c:spPr>
-                </c15:leaderLines>
-              </c:ext>
-            </c:extLst>
-          </c:dLbls>
-          <c:cat>
-            <c:strRef>
-              <c:f>Sheet1!$A$2:$A$5</c:f>
-              <c:strCache>
-                <c:ptCount val="4"/>
-                <c:pt idx="0">
-                  <c:v>Category 1</c:v>
-                </c:pt>
-                <c:pt idx="1">
-                  <c:v>Category 2</c:v>
-                </c:pt>
-                <c:pt idx="2">
-                  <c:v>Category 3</c:v>
-                </c:pt>
-                <c:pt idx="3">
-                  <c:v>Category 4</c:v>
-                </c:pt>
-              </c:strCache>
-            </c:strRef>
-          </c:cat>
-          <c:val>
-            <c:numRef>
-              <c:f>Sheet1!$B$2:$B$5</c:f>
-              <c:numCache>
-                <c:formatCode>General</c:formatCode>
-                <c:ptCount val="4"/>
-                <c:pt idx="0">
-                  <c:v>4.3</c:v>
-                </c:pt>
-                <c:pt idx="1">
-                  <c:v>2.5</c:v>
-                </c:pt>
-                <c:pt idx="2">
-                  <c:v>3.5</c:v>
-                </c:pt>
-                <c:pt idx="3">
-                  <c:v>4.5</c:v>
-                </c:pt>
-              </c:numCache>
-            </c:numRef>
-          </c:val>
-          <c:extLst>
-            <c:ext xmlns:c16="http://schemas.microsoft.com/office/drawing/2014/chart" uri="{C3380CC4-5D6E-409C-BE32-E72D297353CC}">
-              <c16:uniqueId val="{00000000-4436-4FEF-9D1A-746EB9A75A6D}"/>
-            </c:ext>
-          </c:extLst>
-        </c:ser>
-        <c:ser>
-          <c:idx val="1"/>
-          <c:order val="1"/>
-          <c:tx>
-            <c:strRef>
-              <c:f>Sheet1!$C$1</c:f>
-              <c:strCache>
-                <c:ptCount val="1"/>
-                <c:pt idx="0">
-                  <c:v>Series 2</c:v>
-                </c:pt>
-              </c:strCache>
-            </c:strRef>
-          </c:tx>
-          <c:spPr>
-            <a:solidFill>
-              <a:schemeClr val="accent2"/>
-            </a:solidFill>
-            <a:ln>
-              <a:noFill/>
-            </a:ln>
-            <a:effectLst/>
-          </c:spPr>
-          <c:invertIfNegative val="0"/>
-          <c:dLbls>
-            <c:spPr>
-              <a:noFill/>
-              <a:ln>
-                <a:noFill/>
-              </a:ln>
-              <a:effectLst/>
-            </c:spPr>
-            <c:txPr>
-              <a:bodyPr rot="0" spcFirstLastPara="1" vertOverflow="ellipsis" vert="horz" wrap="square" lIns="38100" tIns="19050" rIns="38100" bIns="19050" anchor="ctr" anchorCtr="1">
-                <a:spAutoFit/>
-              </a:bodyPr>
-              <a:lstStyle/>
-              <a:p>
-                <a:pPr>
-                  <a:defRPr sz="1197" b="0" i="0" u="none" strike="noStrike" kern="1200" baseline="0">
-                    <a:solidFill>
-                      <a:schemeClr val="tx1">
-                        <a:lumMod val="75000"/>
-                        <a:lumOff val="25000"/>
-                      </a:schemeClr>
-                    </a:solidFill>
-                    <a:latin typeface="+mn-lt"/>
-                    <a:ea typeface="+mn-ea"/>
-                    <a:cs typeface="+mn-cs"/>
-                  </a:defRPr>
-                </a:pPr>
-                <a:endParaRPr lang="en-US"/>
-              </a:p>
-            </c:txPr>
-            <c:showLegendKey val="0"/>
-            <c:showVal val="1"/>
-            <c:showCatName val="0"/>
-            <c:showSerName val="0"/>
-            <c:showPercent val="0"/>
-            <c:showBubbleSize val="0"/>
-            <c:showLeaderLines val="0"/>
-            <c:extLst>
-              <c:ext xmlns:c15="http://schemas.microsoft.com/office/drawing/2012/chart" uri="{CE6537A1-D6FC-4f65-9D91-7224C49458BB}">
-                <c15:showLeaderLines val="1"/>
-                <c15:leaderLines>
-                  <c:spPr>
-                    <a:ln w="9525" cap="flat" cmpd="sng" algn="ctr">
-                      <a:solidFill>
-                        <a:schemeClr val="tx1">
-                          <a:lumMod val="35000"/>
-                          <a:lumOff val="65000"/>
-                        </a:schemeClr>
-                      </a:solidFill>
-                      <a:round/>
-                    </a:ln>
-                    <a:effectLst/>
-                  </c:spPr>
-                </c15:leaderLines>
-              </c:ext>
-            </c:extLst>
-          </c:dLbls>
-          <c:cat>
-            <c:strRef>
-              <c:f>Sheet1!$A$2:$A$5</c:f>
-              <c:strCache>
-                <c:ptCount val="4"/>
-                <c:pt idx="0">
-                  <c:v>Category 1</c:v>
-                </c:pt>
-                <c:pt idx="1">
-                  <c:v>Category 2</c:v>
-                </c:pt>
-                <c:pt idx="2">
-                  <c:v>Category 3</c:v>
-                </c:pt>
-                <c:pt idx="3">
-                  <c:v>Category 4</c:v>
-                </c:pt>
-              </c:strCache>
-            </c:strRef>
-          </c:cat>
-          <c:val>
-            <c:numRef>
-              <c:f>Sheet1!$C$2:$C$5</c:f>
-              <c:numCache>
-                <c:formatCode>General</c:formatCode>
-                <c:ptCount val="4"/>
-                <c:pt idx="0">
-                  <c:v>2.4</c:v>
-                </c:pt>
-                <c:pt idx="1">
-                  <c:v>4.4000000000000004</c:v>
-                </c:pt>
-                <c:pt idx="2">
-                  <c:v>1.8</c:v>
-                </c:pt>
-                <c:pt idx="3">
-                  <c:v>2.8</c:v>
-                </c:pt>
-              </c:numCache>
-            </c:numRef>
-          </c:val>
-          <c:extLst>
-            <c:ext xmlns:c16="http://schemas.microsoft.com/office/drawing/2014/chart" uri="{C3380CC4-5D6E-409C-BE32-E72D297353CC}">
-              <c16:uniqueId val="{00000001-4436-4FEF-9D1A-746EB9A75A6D}"/>
-            </c:ext>
-          </c:extLst>
-        </c:ser>
-        <c:ser>
-          <c:idx val="2"/>
-          <c:order val="2"/>
-          <c:tx>
-            <c:strRef>
-              <c:f>Sheet1!$D$1</c:f>
-              <c:strCache>
-                <c:ptCount val="1"/>
-                <c:pt idx="0">
-                  <c:v>Series 3</c:v>
-                </c:pt>
-              </c:strCache>
-            </c:strRef>
-          </c:tx>
-          <c:spPr>
-            <a:solidFill>
-              <a:schemeClr val="accent3"/>
-            </a:solidFill>
-            <a:ln>
-              <a:noFill/>
-            </a:ln>
-            <a:effectLst/>
-          </c:spPr>
-          <c:invertIfNegative val="0"/>
-          <c:dLbls>
-            <c:spPr>
-              <a:noFill/>
-              <a:ln>
-                <a:noFill/>
-              </a:ln>
-              <a:effectLst/>
-            </c:spPr>
-            <c:txPr>
-              <a:bodyPr rot="0" spcFirstLastPara="1" vertOverflow="ellipsis" vert="horz" wrap="square" lIns="38100" tIns="19050" rIns="38100" bIns="19050" anchor="ctr" anchorCtr="1">
-                <a:spAutoFit/>
-              </a:bodyPr>
-              <a:lstStyle/>
-              <a:p>
-                <a:pPr>
-                  <a:defRPr sz="1197" b="0" i="0" u="none" strike="noStrike" kern="1200" baseline="0">
-                    <a:solidFill>
-                      <a:schemeClr val="tx1">
-                        <a:lumMod val="75000"/>
-                        <a:lumOff val="25000"/>
-                      </a:schemeClr>
-                    </a:solidFill>
-                    <a:latin typeface="+mn-lt"/>
-                    <a:ea typeface="+mn-ea"/>
-                    <a:cs typeface="+mn-cs"/>
-                  </a:defRPr>
-                </a:pPr>
-                <a:endParaRPr lang="en-US"/>
-              </a:p>
-            </c:txPr>
-            <c:showLegendKey val="0"/>
-            <c:showVal val="1"/>
-            <c:showCatName val="0"/>
-            <c:showSerName val="0"/>
-            <c:showPercent val="0"/>
-            <c:showBubbleSize val="0"/>
-            <c:showLeaderLines val="0"/>
-            <c:extLst>
-              <c:ext xmlns:c15="http://schemas.microsoft.com/office/drawing/2012/chart" uri="{CE6537A1-D6FC-4f65-9D91-7224C49458BB}">
-                <c15:showLeaderLines val="1"/>
-                <c15:leaderLines>
-                  <c:spPr>
-                    <a:ln w="9525" cap="flat" cmpd="sng" algn="ctr">
-                      <a:solidFill>
-                        <a:schemeClr val="tx1">
-                          <a:lumMod val="35000"/>
-                          <a:lumOff val="65000"/>
-                        </a:schemeClr>
-                      </a:solidFill>
-                      <a:round/>
-                    </a:ln>
-                    <a:effectLst/>
-                  </c:spPr>
-                </c15:leaderLines>
-              </c:ext>
-            </c:extLst>
-          </c:dLbls>
-          <c:cat>
-            <c:strRef>
-              <c:f>Sheet1!$A$2:$A$5</c:f>
-              <c:strCache>
-                <c:ptCount val="4"/>
-                <c:pt idx="0">
-                  <c:v>Category 1</c:v>
-                </c:pt>
-                <c:pt idx="1">
-                  <c:v>Category 2</c:v>
-                </c:pt>
-                <c:pt idx="2">
-                  <c:v>Category 3</c:v>
-                </c:pt>
-                <c:pt idx="3">
-                  <c:v>Category 4</c:v>
-                </c:pt>
-              </c:strCache>
-            </c:strRef>
-          </c:cat>
-          <c:val>
-            <c:numRef>
-              <c:f>Sheet1!$D$2:$D$5</c:f>
-              <c:numCache>
-                <c:formatCode>General</c:formatCode>
-                <c:ptCount val="4"/>
-                <c:pt idx="0">
-                  <c:v>2</c:v>
-                </c:pt>
-                <c:pt idx="1">
-                  <c:v>2</c:v>
-                </c:pt>
-                <c:pt idx="2">
-                  <c:v>3</c:v>
-                </c:pt>
-                <c:pt idx="3">
-                  <c:v>5</c:v>
-                </c:pt>
-              </c:numCache>
-            </c:numRef>
-          </c:val>
-          <c:extLst>
-            <c:ext xmlns:c16="http://schemas.microsoft.com/office/drawing/2014/chart" uri="{C3380CC4-5D6E-409C-BE32-E72D297353CC}">
-              <c16:uniqueId val="{00000002-4436-4FEF-9D1A-746EB9A75A6D}"/>
-            </c:ext>
-          </c:extLst>
-        </c:ser>
-        <c:dLbls>
-          <c:showLegendKey val="0"/>
-          <c:showVal val="1"/>
-          <c:showCatName val="0"/>
-          <c:showSerName val="0"/>
-          <c:showPercent val="0"/>
-          <c:showBubbleSize val="0"/>
-        </c:dLbls>
-        <c:gapWidth val="150"/>
-        <c:overlap val="-25"/>
-        <c:axId val="391884040"/>
-        <c:axId val="391883648"/>
-      </c:barChart>
-      <c:catAx>
-        <c:axId val="391884040"/>
-        <c:scaling>
-          <c:orientation val="minMax"/>
-        </c:scaling>
-        <c:delete val="0"/>
-        <c:axPos val="b"/>
-        <c:numFmt formatCode="General" sourceLinked="1"/>
-        <c:majorTickMark val="none"/>
-        <c:minorTickMark val="none"/>
-        <c:tickLblPos val="nextTo"/>
-        <c:spPr>
-          <a:noFill/>
-          <a:ln w="9525" cap="flat" cmpd="sng" algn="ctr">
-            <a:solidFill>
-              <a:schemeClr val="tx1">
-                <a:lumMod val="15000"/>
-                <a:lumOff val="85000"/>
-              </a:schemeClr>
-            </a:solidFill>
-            <a:round/>
-          </a:ln>
-          <a:effectLst/>
-        </c:spPr>
-        <c:txPr>
-          <a:bodyPr rot="-60000000" spcFirstLastPara="1" vertOverflow="ellipsis" vert="horz" wrap="square" anchor="ctr" anchorCtr="1"/>
-          <a:lstStyle/>
-          <a:p>
-            <a:pPr>
-              <a:defRPr sz="1197" b="0" i="0" u="none" strike="noStrike" kern="1200" baseline="0">
-                <a:solidFill>
-                  <a:schemeClr val="tx1">
-                    <a:lumMod val="65000"/>
-                    <a:lumOff val="35000"/>
-                  </a:schemeClr>
-                </a:solidFill>
-                <a:latin typeface="+mn-lt"/>
-                <a:ea typeface="+mn-ea"/>
-                <a:cs typeface="+mn-cs"/>
-              </a:defRPr>
-            </a:pPr>
-            <a:endParaRPr lang="en-US"/>
-          </a:p>
-        </c:txPr>
-        <c:crossAx val="391883648"/>
-        <c:crosses val="autoZero"/>
-        <c:auto val="1"/>
-        <c:lblAlgn val="ctr"/>
-        <c:lblOffset val="100"/>
-        <c:noMultiLvlLbl val="0"/>
-      </c:catAx>
-      <c:valAx>
-        <c:axId val="391883648"/>
-        <c:scaling>
-          <c:orientation val="minMax"/>
-        </c:scaling>
-        <c:delete val="1"/>
-        <c:axPos val="l"/>
-        <c:numFmt formatCode="General" sourceLinked="1"/>
-        <c:majorTickMark val="none"/>
-        <c:minorTickMark val="none"/>
-        <c:tickLblPos val="nextTo"/>
-        <c:crossAx val="391884040"/>
-        <c:crosses val="autoZero"/>
-        <c:crossBetween val="between"/>
-      </c:valAx>
-      <c:spPr>
-        <a:noFill/>
-        <a:ln>
-          <a:noFill/>
-        </a:ln>
-        <a:effectLst/>
-      </c:spPr>
-    </c:plotArea>
-    <c:legend>
-      <c:legendPos val="t"/>
-      <c:overlay val="0"/>
-      <c:spPr>
-        <a:noFill/>
-        <a:ln>
-          <a:noFill/>
-        </a:ln>
-        <a:effectLst/>
-      </c:spPr>
-      <c:txPr>
-        <a:bodyPr rot="0" spcFirstLastPara="1" vertOverflow="ellipsis" vert="horz" wrap="square" anchor="ctr" anchorCtr="1"/>
-        <a:lstStyle/>
-        <a:p>
-          <a:pPr>
-            <a:defRPr sz="1197" b="0" i="0" u="none" strike="noStrike" kern="1200" baseline="0">
-              <a:solidFill>
-                <a:schemeClr val="tx1">
-                  <a:lumMod val="65000"/>
-                  <a:lumOff val="35000"/>
-                </a:schemeClr>
-              </a:solidFill>
-              <a:latin typeface="+mn-lt"/>
-              <a:ea typeface="+mn-ea"/>
-              <a:cs typeface="+mn-cs"/>
-            </a:defRPr>
-          </a:pPr>
-          <a:endParaRPr lang="en-US"/>
-        </a:p>
-      </c:txPr>
-    </c:legend>
-    <c:plotVisOnly val="1"/>
-    <c:dispBlanksAs val="gap"/>
-    <c:showDLblsOverMax val="0"/>
-  </c:chart>
-  <c:spPr>
-    <a:noFill/>
-    <a:ln>
-      <a:noFill/>
-    </a:ln>
-    <a:effectLst/>
-  </c:spPr>
-  <c:txPr>
-    <a:bodyPr/>
-    <a:lstStyle/>
-    <a:p>
-      <a:pPr>
-        <a:defRPr/>
-      </a:pPr>
-      <a:endParaRPr lang="en-US"/>
-    </a:p>
-  </c:txPr>
-  <c:externalData r:id="rId3">
-    <c:autoUpdate val="0"/>
-  </c:externalData>
-</c:chartSpace>
-</file>
-
-<file path=ppt/charts/colors1.xml><?xml version="1.0" encoding="utf-8"?>
-<cs:colorStyle xmlns:cs="http://schemas.microsoft.com/office/drawing/2012/chartStyle" xmlns:a="http://schemas.openxmlformats.org/drawingml/2006/main" meth="cycle" id="10">
-  <a:schemeClr val="accent1"/>
-  <a:schemeClr val="accent2"/>
-  <a:schemeClr val="accent3"/>
-  <a:schemeClr val="accent4"/>
-  <a:schemeClr val="accent5"/>
-  <a:schemeClr val="accent6"/>
-  <cs:variation/>
-  <cs:variation>
-    <a:lumMod val="60000"/>
-  </cs:variation>
-  <cs:variation>
-    <a:lumMod val="80000"/>
-    <a:lumOff val="20000"/>
-  </cs:variation>
-  <cs:variation>
-    <a:lumMod val="80000"/>
-  </cs:variation>
-  <cs:variation>
-    <a:lumMod val="60000"/>
-    <a:lumOff val="40000"/>
-  </cs:variation>
-  <cs:variation>
-    <a:lumMod val="50000"/>
-  </cs:variation>
-  <cs:variation>
-    <a:lumMod val="70000"/>
-    <a:lumOff val="30000"/>
-  </cs:variation>
-  <cs:variation>
-    <a:lumMod val="70000"/>
-  </cs:variation>
-  <cs:variation>
-    <a:lumMod val="50000"/>
-    <a:lumOff val="50000"/>
-  </cs:variation>
-</cs:colorStyle>
-</file>
-
-<file path=ppt/charts/style1.xml><?xml version="1.0" encoding="utf-8"?>
-<cs:chartStyle xmlns:cs="http://schemas.microsoft.com/office/drawing/2012/chartStyle" xmlns:a="http://schemas.openxmlformats.org/drawingml/2006/main" id="201">
-  <cs:axisTitle>
-    <cs:lnRef idx="0"/>
-    <cs:fillRef idx="0"/>
-    <cs:effectRef idx="0"/>
-    <cs:fontRef idx="minor">
-      <a:schemeClr val="tx1">
-        <a:lumMod val="65000"/>
-        <a:lumOff val="35000"/>
-      </a:schemeClr>
-    </cs:fontRef>
-    <cs:defRPr sz="1330" kern="1200"/>
-  </cs:axisTitle>
-  <cs:categoryAxis>
-    <cs:lnRef idx="0"/>
-    <cs:fillRef idx="0"/>
-    <cs:effectRef idx="0"/>
-    <cs:fontRef idx="minor">
-      <a:schemeClr val="tx1">
-        <a:lumMod val="65000"/>
-        <a:lumOff val="35000"/>
-      </a:schemeClr>
-    </cs:fontRef>
-    <cs:spPr>
-      <a:ln w="9525" cap="flat" cmpd="sng" algn="ctr">
-        <a:solidFill>
-          <a:schemeClr val="tx1">
-            <a:lumMod val="15000"/>
-            <a:lumOff val="85000"/>
-          </a:schemeClr>
-        </a:solidFill>
-        <a:round/>
-      </a:ln>
-    </cs:spPr>
-    <cs:defRPr sz="1197" kern="1200"/>
-  </cs:categoryAxis>
-  <cs:chartArea mods="allowNoFillOverride allowNoLineOverride">
-    <cs:lnRef idx="0"/>
-    <cs:fillRef idx="0"/>
-    <cs:effectRef idx="0"/>
-    <cs:fontRef idx="minor">
-      <a:schemeClr val="tx1"/>
-    </cs:fontRef>
-    <cs:spPr>
-      <a:solidFill>
-        <a:schemeClr val="bg1"/>
-      </a:solidFill>
-      <a:ln w="9525" cap="flat" cmpd="sng" algn="ctr">
-        <a:solidFill>
-          <a:schemeClr val="tx1">
-            <a:lumMod val="15000"/>
-            <a:lumOff val="85000"/>
-          </a:schemeClr>
-        </a:solidFill>
-        <a:round/>
-      </a:ln>
-    </cs:spPr>
-    <cs:defRPr sz="1330" kern="1200"/>
-  </cs:chartArea>
-  <cs:dataLabel>
-    <cs:lnRef idx="0"/>
-    <cs:fillRef idx="0"/>
-    <cs:effectRef idx="0"/>
-    <cs:fontRef idx="minor">
-      <a:schemeClr val="tx1">
-        <a:lumMod val="75000"/>
-        <a:lumOff val="25000"/>
-      </a:schemeClr>
-    </cs:fontRef>
-    <cs:defRPr sz="1197" kern="1200"/>
-  </cs:dataLabel>
-  <cs:dataLabelCallout>
-    <cs:lnRef idx="0"/>
-    <cs:fillRef idx="0"/>
-    <cs:effectRef idx="0"/>
-    <cs:fontRef idx="minor">
-      <a:schemeClr val="dk1">
-        <a:lumMod val="65000"/>
-        <a:lumOff val="35000"/>
-      </a:schemeClr>
-    </cs:fontRef>
-    <cs:spPr>
-      <a:solidFill>
-        <a:schemeClr val="lt1"/>
-      </a:solidFill>
-      <a:ln>
-        <a:solidFill>
-          <a:schemeClr val="dk1">
-            <a:lumMod val="25000"/>
-            <a:lumOff val="75000"/>
-          </a:schemeClr>
-        </a:solidFill>
-      </a:ln>
-    </cs:spPr>
-    <cs:defRPr sz="1197" kern="1200"/>
-    <cs:bodyPr rot="0" spcFirstLastPara="1" vertOverflow="clip" horzOverflow="clip" vert="horz" wrap="square" lIns="36576" tIns="18288" rIns="36576" bIns="18288" anchor="ctr" anchorCtr="1">
-      <a:spAutoFit/>
-    </cs:bodyPr>
-  </cs:dataLabelCallout>
-  <cs:dataPoint>
-    <cs:lnRef idx="0"/>
-    <cs:fillRef idx="1">
-      <cs:styleClr val="auto"/>
-    </cs:fillRef>
-    <cs:effectRef idx="0"/>
-    <cs:fontRef idx="minor">
-      <a:schemeClr val="tx1"/>
-    </cs:fontRef>
-  </cs:dataPoint>
-  <cs:dataPoint3D>
-    <cs:lnRef idx="0"/>
-    <cs:fillRef idx="1">
-      <cs:styleClr val="auto"/>
-    </cs:fillRef>
-    <cs:effectRef idx="0"/>
-    <cs:fontRef idx="minor">
-      <a:schemeClr val="tx1"/>
-    </cs:fontRef>
-  </cs:dataPoint3D>
-  <cs:dataPointLine>
-    <cs:lnRef idx="0">
-      <cs:styleClr val="auto"/>
-    </cs:lnRef>
-    <cs:fillRef idx="1"/>
-    <cs:effectRef idx="0"/>
-    <cs:fontRef idx="minor">
-      <a:schemeClr val="tx1"/>
-    </cs:fontRef>
-    <cs:spPr>
-      <a:ln w="28575" cap="rnd">
-        <a:solidFill>
-          <a:schemeClr val="phClr"/>
-        </a:solidFill>
-        <a:round/>
-      </a:ln>
-    </cs:spPr>
-  </cs:dataPointLine>
-  <cs:dataPointMarker>
-    <cs:lnRef idx="0">
-      <cs:styleClr val="auto"/>
-    </cs:lnRef>
-    <cs:fillRef idx="1">
-      <cs:styleClr val="auto"/>
-    </cs:fillRef>
-    <cs:effectRef idx="0"/>
-    <cs:fontRef idx="minor">
-      <a:schemeClr val="tx1"/>
-    </cs:fontRef>
-    <cs:spPr>
-      <a:ln w="9525">
-        <a:solidFill>
-          <a:schemeClr val="phClr"/>
-        </a:solidFill>
-      </a:ln>
-    </cs:spPr>
-  </cs:dataPointMarker>
-  <cs:dataPointMarkerLayout symbol="circle" size="5"/>
-  <cs:dataPointWireframe>
-    <cs:lnRef idx="0">
-      <cs:styleClr val="auto"/>
-    </cs:lnRef>
-    <cs:fillRef idx="1"/>
-    <cs:effectRef idx="0"/>
-    <cs:fontRef idx="minor">
-      <a:schemeClr val="tx1"/>
-    </cs:fontRef>
-    <cs:spPr>
-      <a:ln w="9525" cap="rnd">
-        <a:solidFill>
-          <a:schemeClr val="phClr"/>
-        </a:solidFill>
-        <a:round/>
-      </a:ln>
-    </cs:spPr>
-  </cs:dataPointWireframe>
-  <cs:dataTable>
-    <cs:lnRef idx="0"/>
-    <cs:fillRef idx="0"/>
-    <cs:effectRef idx="0"/>
-    <cs:fontRef idx="minor">
-      <a:schemeClr val="tx1">
-        <a:lumMod val="65000"/>
-        <a:lumOff val="35000"/>
-      </a:schemeClr>
-    </cs:fontRef>
-    <cs:spPr>
-      <a:noFill/>
-      <a:ln w="9525" cap="flat" cmpd="sng" algn="ctr">
-        <a:solidFill>
-          <a:schemeClr val="tx1">
-            <a:lumMod val="15000"/>
-            <a:lumOff val="85000"/>
-          </a:schemeClr>
-        </a:solidFill>
-        <a:round/>
-      </a:ln>
-    </cs:spPr>
-    <cs:defRPr sz="1197" kern="1200"/>
-  </cs:dataTable>
-  <cs:downBar>
-    <cs:lnRef idx="0"/>
-    <cs:fillRef idx="0"/>
-    <cs:effectRef idx="0"/>
-    <cs:fontRef idx="minor">
-      <a:schemeClr val="dk1"/>
-    </cs:fontRef>
-    <cs:spPr>
-      <a:solidFill>
-        <a:schemeClr val="dk1">
-          <a:lumMod val="65000"/>
-          <a:lumOff val="35000"/>
-        </a:schemeClr>
-      </a:solidFill>
-      <a:ln w="9525">
-        <a:solidFill>
-          <a:schemeClr val="tx1">
-            <a:lumMod val="65000"/>
-            <a:lumOff val="35000"/>
-          </a:schemeClr>
-        </a:solidFill>
-      </a:ln>
-    </cs:spPr>
-  </cs:downBar>
-  <cs:dropLine>
-    <cs:lnRef idx="0"/>
-    <cs:fillRef idx="0"/>
-    <cs:effectRef idx="0"/>
-    <cs:fontRef idx="minor">
-      <a:schemeClr val="tx1"/>
-    </cs:fontRef>
-    <cs:spPr>
-      <a:ln w="9525" cap="flat" cmpd="sng" algn="ctr">
-        <a:solidFill>
-          <a:schemeClr val="tx1">
-            <a:lumMod val="35000"/>
-            <a:lumOff val="65000"/>
-          </a:schemeClr>
-        </a:solidFill>
-        <a:round/>
-      </a:ln>
-    </cs:spPr>
-  </cs:dropLine>
-  <cs:errorBar>
-    <cs:lnRef idx="0"/>
-    <cs:fillRef idx="0"/>
-    <cs:effectRef idx="0"/>
-    <cs:fontRef idx="minor">
-      <a:schemeClr val="tx1"/>
-    </cs:fontRef>
-    <cs:spPr>
-      <a:ln w="9525" cap="flat" cmpd="sng" algn="ctr">
-        <a:solidFill>
-          <a:schemeClr val="tx1">
-            <a:lumMod val="65000"/>
-            <a:lumOff val="35000"/>
-          </a:schemeClr>
-        </a:solidFill>
-        <a:round/>
-      </a:ln>
-    </cs:spPr>
-  </cs:errorBar>
-  <cs:floor>
-    <cs:lnRef idx="0"/>
-    <cs:fillRef idx="0"/>
-    <cs:effectRef idx="0"/>
-    <cs:fontRef idx="minor">
-      <a:schemeClr val="tx1"/>
-    </cs:fontRef>
-    <cs:spPr>
-      <a:noFill/>
-      <a:ln>
-        <a:noFill/>
-      </a:ln>
-    </cs:spPr>
-  </cs:floor>
-  <cs:gridlineMajor>
-    <cs:lnRef idx="0"/>
-    <cs:fillRef idx="0"/>
-    <cs:effectRef idx="0"/>
-    <cs:fontRef idx="minor">
-      <a:schemeClr val="tx1"/>
-    </cs:fontRef>
-    <cs:spPr>
-      <a:ln w="9525" cap="flat" cmpd="sng" algn="ctr">
-        <a:solidFill>
-          <a:schemeClr val="tx1">
-            <a:lumMod val="15000"/>
-            <a:lumOff val="85000"/>
-          </a:schemeClr>
-        </a:solidFill>
-        <a:round/>
-      </a:ln>
-    </cs:spPr>
-  </cs:gridlineMajor>
-  <cs:gridlineMinor>
-    <cs:lnRef idx="0"/>
-    <cs:fillRef idx="0"/>
-    <cs:effectRef idx="0"/>
-    <cs:fontRef idx="minor">
-      <a:schemeClr val="tx1"/>
-    </cs:fontRef>
-    <cs:spPr>
-      <a:ln w="9525" cap="flat" cmpd="sng" algn="ctr">
-        <a:solidFill>
-          <a:schemeClr val="tx1">
-            <a:lumMod val="5000"/>
-            <a:lumOff val="95000"/>
-          </a:schemeClr>
-        </a:solidFill>
-        <a:round/>
-      </a:ln>
-    </cs:spPr>
-  </cs:gridlineMinor>
-  <cs:hiLoLine>
-    <cs:lnRef idx="0"/>
-    <cs:fillRef idx="0"/>
-    <cs:effectRef idx="0"/>
-    <cs:fontRef idx="minor">
-      <a:schemeClr val="tx1"/>
-    </cs:fontRef>
-    <cs:spPr>
-      <a:ln w="9525" cap="flat" cmpd="sng" algn="ctr">
-        <a:solidFill>
-          <a:schemeClr val="tx1">
-            <a:lumMod val="75000"/>
-            <a:lumOff val="25000"/>
-          </a:schemeClr>
-        </a:solidFill>
-        <a:round/>
-      </a:ln>
-    </cs:spPr>
-  </cs:hiLoLine>
-  <cs:leaderLine>
-    <cs:lnRef idx="0"/>
-    <cs:fillRef idx="0"/>
-    <cs:effectRef idx="0"/>
-    <cs:fontRef idx="minor">
-      <a:schemeClr val="tx1"/>
-    </cs:fontRef>
-    <cs:spPr>
-      <a:ln w="9525" cap="flat" cmpd="sng" algn="ctr">
-        <a:solidFill>
-          <a:schemeClr val="tx1">
-            <a:lumMod val="35000"/>
-            <a:lumOff val="65000"/>
-          </a:schemeClr>
-        </a:solidFill>
-        <a:round/>
-      </a:ln>
-    </cs:spPr>
-  </cs:leaderLine>
-  <cs:legend>
-    <cs:lnRef idx="0"/>
-    <cs:fillRef idx="0"/>
-    <cs:effectRef idx="0"/>
-    <cs:fontRef idx="minor">
-      <a:schemeClr val="tx1">
-        <a:lumMod val="65000"/>
-        <a:lumOff val="35000"/>
-      </a:schemeClr>
-    </cs:fontRef>
-    <cs:defRPr sz="1197" kern="1200"/>
-  </cs:legend>
-  <cs:plotArea mods="allowNoFillOverride allowNoLineOverride">
-    <cs:lnRef idx="0"/>
-    <cs:fillRef idx="0"/>
-    <cs:effectRef idx="0"/>
-    <cs:fontRef idx="minor">
-      <a:schemeClr val="tx1"/>
-    </cs:fontRef>
-  </cs:plotArea>
-  <cs:plotArea3D mods="allowNoFillOverride allowNoLineOverride">
-    <cs:lnRef idx="0"/>
-    <cs:fillRef idx="0"/>
-    <cs:effectRef idx="0"/>
-    <cs:fontRef idx="minor">
-      <a:schemeClr val="tx1"/>
-    </cs:fontRef>
-  </cs:plotArea3D>
-  <cs:seriesAxis>
-    <cs:lnRef idx="0"/>
-    <cs:fillRef idx="0"/>
-    <cs:effectRef idx="0"/>
-    <cs:fontRef idx="minor">
-      <a:schemeClr val="tx1">
-        <a:lumMod val="65000"/>
-        <a:lumOff val="35000"/>
-      </a:schemeClr>
-    </cs:fontRef>
-    <cs:defRPr sz="1197" kern="1200"/>
-  </cs:seriesAxis>
-  <cs:seriesLine>
-    <cs:lnRef idx="0"/>
-    <cs:fillRef idx="0"/>
-    <cs:effectRef idx="0"/>
-    <cs:fontRef idx="minor">
-      <a:schemeClr val="tx1"/>
-    </cs:fontRef>
-    <cs:spPr>
-      <a:ln w="9525" cap="flat" cmpd="sng" algn="ctr">
-        <a:solidFill>
-          <a:schemeClr val="tx1">
-            <a:lumMod val="35000"/>
-            <a:lumOff val="65000"/>
-          </a:schemeClr>
-        </a:solidFill>
-        <a:round/>
-      </a:ln>
-    </cs:spPr>
-  </cs:seriesLine>
-  <cs:title>
-    <cs:lnRef idx="0"/>
-    <cs:fillRef idx="0"/>
-    <cs:effectRef idx="0"/>
-    <cs:fontRef idx="minor">
-      <a:schemeClr val="tx1">
-        <a:lumMod val="65000"/>
-        <a:lumOff val="35000"/>
-      </a:schemeClr>
-    </cs:fontRef>
-    <cs:defRPr sz="1862" b="0" kern="1200" spc="0" baseline="0"/>
-  </cs:title>
-  <cs:trendline>
-    <cs:lnRef idx="0">
-      <cs:styleClr val="auto"/>
-    </cs:lnRef>
-    <cs:fillRef idx="0"/>
-    <cs:effectRef idx="0"/>
-    <cs:fontRef idx="minor">
-      <a:schemeClr val="tx1"/>
-    </cs:fontRef>
-    <cs:spPr>
-      <a:ln w="19050" cap="rnd">
-        <a:solidFill>
-          <a:schemeClr val="phClr"/>
-        </a:solidFill>
-        <a:prstDash val="sysDot"/>
-      </a:ln>
-    </cs:spPr>
-  </cs:trendline>
-  <cs:trendlineLabel>
-    <cs:lnRef idx="0"/>
-    <cs:fillRef idx="0"/>
-    <cs:effectRef idx="0"/>
-    <cs:fontRef idx="minor">
-      <a:schemeClr val="tx1">
-        <a:lumMod val="65000"/>
-        <a:lumOff val="35000"/>
-      </a:schemeClr>
-    </cs:fontRef>
-    <cs:defRPr sz="1197" kern="1200"/>
-  </cs:trendlineLabel>
-  <cs:upBar>
-    <cs:lnRef idx="0"/>
-    <cs:fillRef idx="0"/>
-    <cs:effectRef idx="0"/>
-    <cs:fontRef idx="minor">
-      <a:schemeClr val="dk1"/>
-    </cs:fontRef>
-    <cs:spPr>
-      <a:solidFill>
-        <a:schemeClr val="lt1"/>
-      </a:solidFill>
-      <a:ln w="9525">
-        <a:solidFill>
-          <a:schemeClr val="tx1">
-            <a:lumMod val="15000"/>
-            <a:lumOff val="85000"/>
-          </a:schemeClr>
-        </a:solidFill>
-      </a:ln>
-    </cs:spPr>
-  </cs:upBar>
-  <cs:valueAxis>
-    <cs:lnRef idx="0"/>
-    <cs:fillRef idx="0"/>
-    <cs:effectRef idx="0"/>
-    <cs:fontRef idx="minor">
-      <a:schemeClr val="tx1">
-        <a:lumMod val="65000"/>
-        <a:lumOff val="35000"/>
-      </a:schemeClr>
-    </cs:fontRef>
-    <cs:defRPr sz="1197" kern="1200"/>
-  </cs:valueAxis>
-  <cs:wall>
-    <cs:lnRef idx="0"/>
-    <cs:fillRef idx="0"/>
-    <cs:effectRef idx="0"/>
-    <cs:fontRef idx="minor">
-      <a:schemeClr val="tx1"/>
-    </cs:fontRef>
-    <cs:spPr>
-      <a:noFill/>
-      <a:ln>
-        <a:noFill/>
-      </a:ln>
-    </cs:spPr>
-  </cs:wall>
-</cs:chartStyle>
 </file>
 
 <file path=ppt/handoutMasters/handoutMaster1.xml><?xml version="1.0" encoding="utf-8"?>
@@ -4752,7 +3659,7 @@
         <p:spPr>
           <a:xfrm>
             <a:off x="5181600" y="304801"/>
-            <a:ext cx="6781800" cy="3962399"/>
+            <a:ext cx="6781800" cy="4648199"/>
           </a:xfrm>
         </p:spPr>
         <p:txBody>
@@ -4768,16 +3675,22 @@
             <a:br>
               <a:rPr lang="en-US" dirty="0"/>
             </a:br>
-            <a:r>
-              <a:rPr lang="en-US" dirty="0"/>
-              <a:t>	-MVP Predictor</a:t>
-            </a:r>
             <a:br>
               <a:rPr lang="en-US" dirty="0"/>
             </a:br>
             <a:r>
               <a:rPr lang="en-US" dirty="0"/>
-              <a:t>	-Next game winner</a:t>
+              <a:t>	*MVP Predictor</a:t>
+            </a:r>
+            <a:br>
+              <a:rPr lang="en-US" dirty="0"/>
+            </a:br>
+            <a:br>
+              <a:rPr lang="en-US" dirty="0"/>
+            </a:br>
+            <a:r>
+              <a:rPr lang="en-US" dirty="0"/>
+              <a:t>	*Winning Team</a:t>
             </a:r>
             <a:br>
               <a:rPr lang="en-US" dirty="0"/>
@@ -4840,37 +3753,81 @@
         </p:nvSpPr>
         <p:spPr>
           <a:xfrm>
-            <a:off x="7924800" y="838200"/>
-            <a:ext cx="3657600" cy="4876800"/>
+            <a:off x="7467600" y="228600"/>
+            <a:ext cx="4724400" cy="4648200"/>
           </a:xfrm>
         </p:spPr>
         <p:txBody>
           <a:bodyPr>
-            <a:normAutofit fontScale="90000"/>
+            <a:normAutofit/>
           </a:bodyPr>
           <a:lstStyle/>
           <a:p>
-            <a:pPr marL="571500" indent="-571500">
-              <a:buFont typeface="Arial" panose="020B0604020202020204" pitchFamily="34" charset="0"/>
-              <a:buChar char="•"/>
-            </a:pPr>
-            <a:r>
-              <a:rPr lang="en-US" dirty="0"/>
-              <a:t>Machine Learning Models used: </a:t>
-            </a:r>
+            <a:r>
+              <a:rPr lang="en-US" sz="3200" dirty="0">
+                <a:solidFill>
+                  <a:schemeClr val="accent4">
+                    <a:lumMod val="50000"/>
+                    <a:lumOff val="50000"/>
+                  </a:schemeClr>
+                </a:solidFill>
+              </a:rPr>
+              <a:t>Machine Learning Models: </a:t>
+            </a:r>
+            <a:br>
+              <a:rPr lang="en-US" dirty="0">
+                <a:solidFill>
+                  <a:schemeClr val="accent4">
+                    <a:lumMod val="25000"/>
+                    <a:lumOff val="75000"/>
+                  </a:schemeClr>
+                </a:solidFill>
+              </a:rPr>
+            </a:br>
             <a:br>
               <a:rPr lang="en-US" dirty="0"/>
             </a:br>
             <a:r>
-              <a:rPr lang="en-US" dirty="0"/>
-              <a:t>	* Linear Regression (MVP prediction)</a:t>
+              <a:rPr lang="en-US" sz="2800" dirty="0">
+                <a:solidFill>
+                  <a:schemeClr val="accent1">
+                    <a:lumMod val="40000"/>
+                    <a:lumOff val="60000"/>
+                  </a:schemeClr>
+                </a:solidFill>
+              </a:rPr>
+              <a:t>* Linear Regression (MVP prediction)</a:t>
             </a:r>
             <a:br>
-              <a:rPr lang="en-US" dirty="0"/>
+              <a:rPr lang="en-US" sz="2800" dirty="0">
+                <a:solidFill>
+                  <a:schemeClr val="accent1">
+                    <a:lumMod val="40000"/>
+                    <a:lumOff val="60000"/>
+                  </a:schemeClr>
+                </a:solidFill>
+              </a:rPr>
             </a:br>
-            <a:r>
-              <a:rPr lang="en-US" dirty="0"/>
-              <a:t>	* Familiar Tree (Team Game predictions)</a:t>
+            <a:br>
+              <a:rPr lang="en-US" sz="2800" dirty="0">
+                <a:solidFill>
+                  <a:schemeClr val="accent1">
+                    <a:lumMod val="40000"/>
+                    <a:lumOff val="60000"/>
+                  </a:schemeClr>
+                </a:solidFill>
+              </a:rPr>
+            </a:br>
+            <a:r>
+              <a:rPr lang="en-US" sz="2800" dirty="0">
+                <a:solidFill>
+                  <a:schemeClr val="accent1">
+                    <a:lumMod val="40000"/>
+                    <a:lumOff val="60000"/>
+                  </a:schemeClr>
+                </a:solidFill>
+              </a:rPr>
+              <a:t>* Random Forest Regressor (Team Game predictions)</a:t>
             </a:r>
             <a:br>
               <a:rPr lang="en-US" dirty="0"/>
@@ -5030,48 +3987,99 @@
             <p:ph type="title"/>
           </p:nvPr>
         </p:nvSpPr>
+        <p:spPr>
+          <a:xfrm>
+            <a:off x="1066800" y="228600"/>
+            <a:ext cx="10058400" cy="914400"/>
+          </a:xfrm>
+        </p:spPr>
+        <p:txBody>
+          <a:bodyPr>
+            <a:normAutofit/>
+          </a:bodyPr>
+          <a:lstStyle/>
+          <a:p>
+            <a:pPr algn="ctr"/>
+            <a:r>
+              <a:rPr lang="en-US" sz="4800" dirty="0">
+                <a:solidFill>
+                  <a:schemeClr val="accent4">
+                    <a:lumMod val="50000"/>
+                    <a:lumOff val="50000"/>
+                  </a:schemeClr>
+                </a:solidFill>
+              </a:rPr>
+              <a:t>2023 NBA FINALS MVP PREDICTOR</a:t>
+            </a:r>
+          </a:p>
+        </p:txBody>
+      </p:sp>
+      <p:sp>
+        <p:nvSpPr>
+          <p:cNvPr id="3" name="Content Placeholder 2"/>
+          <p:cNvSpPr>
+            <a:spLocks noGrp="1"/>
+          </p:cNvSpPr>
+          <p:nvPr>
+            <p:ph idx="1"/>
+          </p:nvPr>
+        </p:nvSpPr>
         <p:spPr/>
         <p:txBody>
-          <a:bodyPr/>
-          <a:lstStyle/>
-          <a:p>
-            <a:r>
-              <a:rPr lang="en-US" dirty="0"/>
-              <a:t>Title and Content Layout with List</a:t>
-            </a:r>
-          </a:p>
-        </p:txBody>
-      </p:sp>
-      <p:sp>
-        <p:nvSpPr>
-          <p:cNvPr id="3" name="Content Placeholder 2"/>
-          <p:cNvSpPr>
-            <a:spLocks noGrp="1"/>
-          </p:cNvSpPr>
-          <p:nvPr>
-            <p:ph idx="1"/>
-          </p:nvPr>
-        </p:nvSpPr>
-        <p:spPr/>
-        <p:txBody>
-          <a:bodyPr/>
-          <a:lstStyle/>
-          <a:p>
-            <a:r>
-              <a:rPr lang="en-US" dirty="0"/>
-              <a:t>Add your first bullet point here</a:t>
-            </a:r>
-          </a:p>
-          <a:p>
-            <a:r>
-              <a:rPr lang="en-US" dirty="0"/>
-              <a:t>Add your second bullet point here</a:t>
-            </a:r>
-          </a:p>
-          <a:p>
-            <a:r>
-              <a:rPr lang="en-US" dirty="0"/>
-              <a:t>Add your third bullet point here</a:t>
+          <a:bodyPr>
+            <a:normAutofit/>
+          </a:bodyPr>
+          <a:lstStyle/>
+          <a:p>
+            <a:r>
+              <a:rPr lang="en-US" sz="3600" dirty="0">
+                <a:solidFill>
+                  <a:schemeClr val="accent1">
+                    <a:lumMod val="40000"/>
+                    <a:lumOff val="60000"/>
+                  </a:schemeClr>
+                </a:solidFill>
+              </a:rPr>
+              <a:t>Linear Regression machine learning model</a:t>
+            </a:r>
+          </a:p>
+          <a:p>
+            <a:r>
+              <a:rPr lang="en-US" sz="3600" dirty="0">
+                <a:solidFill>
+                  <a:schemeClr val="accent1">
+                    <a:lumMod val="40000"/>
+                    <a:lumOff val="60000"/>
+                  </a:schemeClr>
+                </a:solidFill>
+              </a:rPr>
+              <a:t>Exclusively based on NBA Finals Player Data (per game)</a:t>
+            </a:r>
+          </a:p>
+          <a:p>
+            <a:r>
+              <a:rPr lang="en-US" sz="3600" dirty="0">
+                <a:solidFill>
+                  <a:schemeClr val="accent1">
+                    <a:lumMod val="40000"/>
+                    <a:lumOff val="60000"/>
+                  </a:schemeClr>
+                </a:solidFill>
+              </a:rPr>
+              <a:t>Weighted heavily on Versatility Index and +/- data</a:t>
+            </a:r>
+          </a:p>
+          <a:p>
+            <a:r>
+              <a:rPr lang="en-US" sz="5400" b="1" u="sng" dirty="0">
+                <a:solidFill>
+                  <a:schemeClr val="accent1">
+                    <a:lumMod val="40000"/>
+                    <a:lumOff val="60000"/>
+                  </a:schemeClr>
+                </a:solidFill>
+              </a:rPr>
+              <a:t>MVP Prediction: Nikola Jokic!!!!</a:t>
             </a:r>
           </a:p>
         </p:txBody>
@@ -5128,7 +4136,12 @@
             <p:ph type="title"/>
           </p:nvPr>
         </p:nvSpPr>
-        <p:spPr/>
+        <p:spPr>
+          <a:xfrm>
+            <a:off x="9525000" y="304800"/>
+            <a:ext cx="2057400" cy="5715000"/>
+          </a:xfrm>
+        </p:spPr>
         <p:txBody>
           <a:bodyPr/>
           <a:lstStyle/>
@@ -5140,53 +4153,53 @@
           </a:p>
         </p:txBody>
       </p:sp>
-      <p:graphicFrame>
-        <p:nvGraphicFramePr>
-          <p:cNvPr id="10" name="Content Placeholder 9" descr="Clustered column chart showing the values of 3 series for 4 categories"/>
-          <p:cNvGraphicFramePr>
-            <a:graphicFrameLocks noGrp="1"/>
-          </p:cNvGraphicFramePr>
-          <p:nvPr>
-            <p:ph idx="1"/>
-            <p:extLst>
-              <p:ext uri="{D42A27DB-BD31-4B8C-83A1-F6EECF244321}">
-                <p14:modId xmlns:p14="http://schemas.microsoft.com/office/powerpoint/2010/main" val="2281812233"/>
-              </p:ext>
-            </p:extLst>
-          </p:nvPr>
-        </p:nvGraphicFramePr>
-        <p:xfrm>
-          <a:off x="609600" y="838200"/>
-          <a:ext cx="6172200" cy="5181600"/>
-        </p:xfrm>
-        <a:graphic>
-          <a:graphicData uri="http://schemas.openxmlformats.org/drawingml/2006/chart">
-            <c:chart xmlns:c="http://schemas.openxmlformats.org/drawingml/2006/chart" xmlns:r="http://schemas.openxmlformats.org/officeDocument/2006/relationships" r:id="rId2"/>
-          </a:graphicData>
-        </a:graphic>
-      </p:graphicFrame>
-      <p:sp>
-        <p:nvSpPr>
-          <p:cNvPr id="4" name="Text Placeholder 3"/>
-          <p:cNvSpPr>
-            <a:spLocks noGrp="1"/>
-          </p:cNvSpPr>
-          <p:nvPr>
-            <p:ph type="body" sz="half" idx="2"/>
-          </p:nvPr>
-        </p:nvSpPr>
-        <p:spPr/>
-        <p:txBody>
-          <a:bodyPr/>
-          <a:lstStyle/>
-          <a:p>
-            <a:r>
-              <a:rPr lang="en-US" dirty="0"/>
-              <a:t>Caption</a:t>
-            </a:r>
-          </a:p>
-        </p:txBody>
-      </p:sp>
+      <p:pic>
+        <p:nvPicPr>
+          <p:cNvPr id="1026" name="Picture 2">
+            <a:extLst>
+              <a:ext uri="{FF2B5EF4-FFF2-40B4-BE49-F238E27FC236}">
+                <a16:creationId xmlns:a16="http://schemas.microsoft.com/office/drawing/2014/main" id="{4D95164F-36C2-67D9-7DD0-8967D726FD27}"/>
+              </a:ext>
+            </a:extLst>
+          </p:cNvPr>
+          <p:cNvPicPr>
+            <a:picLocks noChangeAspect="1" noChangeArrowheads="1"/>
+          </p:cNvPicPr>
+          <p:nvPr/>
+        </p:nvPicPr>
+        <p:blipFill>
+          <a:blip r:embed="rId2">
+            <a:extLst>
+              <a:ext uri="{28A0092B-C50C-407E-A947-70E740481C1C}">
+                <a14:useLocalDpi xmlns:a14="http://schemas.microsoft.com/office/drawing/2010/main" val="0"/>
+              </a:ext>
+            </a:extLst>
+          </a:blip>
+          <a:srcRect/>
+          <a:stretch>
+            <a:fillRect/>
+          </a:stretch>
+        </p:blipFill>
+        <p:spPr bwMode="auto">
+          <a:xfrm>
+            <a:off x="152400" y="152400"/>
+            <a:ext cx="8713787" cy="6477000"/>
+          </a:xfrm>
+          <a:prstGeom prst="rect">
+            <a:avLst/>
+          </a:prstGeom>
+          <a:noFill/>
+          <a:extLst>
+            <a:ext uri="{909E8E84-426E-40DD-AFC4-6F175D3DCCD1}">
+              <a14:hiddenFill xmlns:a14="http://schemas.microsoft.com/office/drawing/2010/main">
+                <a:solidFill>
+                  <a:srgbClr val="FFFFFF"/>
+                </a:solidFill>
+              </a14:hiddenFill>
+            </a:ext>
+          </a:extLst>
+        </p:spPr>
+      </p:pic>
     </p:spTree>
     <p:extLst>
       <p:ext uri="{BB962C8B-B14F-4D97-AF65-F5344CB8AC3E}">

--- a/2023 NBA Finals Presentation_6.7.2023.pptx
+++ b/2023 NBA Finals Presentation_6.7.2023.pptx
@@ -5,21 +5,22 @@
     <p:sldMasterId id="2147483648" r:id="rId1"/>
   </p:sldMasterIdLst>
   <p:notesMasterIdLst>
-    <p:notesMasterId r:id="rId11"/>
+    <p:notesMasterId r:id="rId12"/>
   </p:notesMasterIdLst>
   <p:handoutMasterIdLst>
-    <p:handoutMasterId r:id="rId12"/>
+    <p:handoutMasterId r:id="rId13"/>
   </p:handoutMasterIdLst>
   <p:sldIdLst>
-    <p:sldId id="257" r:id="rId2"/>
-    <p:sldId id="265" r:id="rId3"/>
-    <p:sldId id="266" r:id="rId4"/>
-    <p:sldId id="264" r:id="rId5"/>
-    <p:sldId id="267" r:id="rId6"/>
-    <p:sldId id="268" r:id="rId7"/>
-    <p:sldId id="269" r:id="rId8"/>
-    <p:sldId id="270" r:id="rId9"/>
-    <p:sldId id="271" r:id="rId10"/>
+    <p:sldId id="272" r:id="rId2"/>
+    <p:sldId id="257" r:id="rId3"/>
+    <p:sldId id="265" r:id="rId4"/>
+    <p:sldId id="266" r:id="rId5"/>
+    <p:sldId id="264" r:id="rId6"/>
+    <p:sldId id="267" r:id="rId7"/>
+    <p:sldId id="268" r:id="rId8"/>
+    <p:sldId id="269" r:id="rId9"/>
+    <p:sldId id="270" r:id="rId10"/>
+    <p:sldId id="271" r:id="rId11"/>
   </p:sldIdLst>
   <p:sldSz cx="12192000" cy="6858000"/>
   <p:notesSz cx="6858000" cy="9144000"/>
@@ -211,7 +212,7 @@
           <a:p>
             <a:fld id="{D8DE8356-FFDA-4E74-B804-79023C7DD259}" type="datetimeFigureOut">
               <a:rPr lang="en-US" smtClean="0"/>
-              <a:t>6/7/2023</a:t>
+              <a:t>6/8/2023</a:t>
             </a:fld>
             <a:endParaRPr lang="en-US"/>
           </a:p>
@@ -376,7 +377,7 @@
           <a:p>
             <a:fld id="{B43DDCE7-616C-4285-A468-7301F171BC93}" type="datetimeFigureOut">
               <a:rPr lang="en-US" smtClean="0"/>
-              <a:t>6/7/2023</a:t>
+              <a:t>6/8/2023</a:t>
             </a:fld>
             <a:endParaRPr lang="en-US"/>
           </a:p>
@@ -937,7 +938,7 @@
           <a:p>
             <a:fld id="{3762EC29-B8C5-4C7A-B6DA-418494D5CB21}" type="datetimeFigureOut">
               <a:rPr lang="en-US" smtClean="0"/>
-              <a:t>6/7/2023</a:t>
+              <a:t>6/8/2023</a:t>
             </a:fld>
             <a:endParaRPr lang="en-US"/>
           </a:p>
@@ -1130,7 +1131,7 @@
           <a:p>
             <a:fld id="{3762EC29-B8C5-4C7A-B6DA-418494D5CB21}" type="datetimeFigureOut">
               <a:rPr lang="en-US" smtClean="0"/>
-              <a:t>6/7/2023</a:t>
+              <a:t>6/8/2023</a:t>
             </a:fld>
             <a:endParaRPr lang="en-US"/>
           </a:p>
@@ -1313,7 +1314,7 @@
           <a:p>
             <a:fld id="{3762EC29-B8C5-4C7A-B6DA-418494D5CB21}" type="datetimeFigureOut">
               <a:rPr lang="en-US" smtClean="0"/>
-              <a:t>6/7/2023</a:t>
+              <a:t>6/8/2023</a:t>
             </a:fld>
             <a:endParaRPr lang="en-US"/>
           </a:p>
@@ -1578,7 +1579,7 @@
           <a:p>
             <a:fld id="{3762EC29-B8C5-4C7A-B6DA-418494D5CB21}" type="datetimeFigureOut">
               <a:rPr lang="en-US" smtClean="0"/>
-              <a:t>6/7/2023</a:t>
+              <a:t>6/8/2023</a:t>
             </a:fld>
             <a:endParaRPr lang="en-US"/>
           </a:p>
@@ -1822,7 +1823,7 @@
           <a:p>
             <a:fld id="{3762EC29-B8C5-4C7A-B6DA-418494D5CB21}" type="datetimeFigureOut">
               <a:rPr lang="en-US" smtClean="0"/>
-              <a:t>6/7/2023</a:t>
+              <a:t>6/8/2023</a:t>
             </a:fld>
             <a:endParaRPr lang="en-US"/>
           </a:p>
@@ -2210,7 +2211,7 @@
           <a:p>
             <a:fld id="{3762EC29-B8C5-4C7A-B6DA-418494D5CB21}" type="datetimeFigureOut">
               <a:rPr lang="en-US" smtClean="0"/>
-              <a:t>6/7/2023</a:t>
+              <a:t>6/8/2023</a:t>
             </a:fld>
             <a:endParaRPr lang="en-US"/>
           </a:p>
@@ -2342,7 +2343,7 @@
           <a:p>
             <a:fld id="{3762EC29-B8C5-4C7A-B6DA-418494D5CB21}" type="datetimeFigureOut">
               <a:rPr lang="en-US" smtClean="0"/>
-              <a:t>6/7/2023</a:t>
+              <a:t>6/8/2023</a:t>
             </a:fld>
             <a:endParaRPr lang="en-US"/>
           </a:p>
@@ -2452,7 +2453,7 @@
           <a:p>
             <a:fld id="{3762EC29-B8C5-4C7A-B6DA-418494D5CB21}" type="datetimeFigureOut">
               <a:rPr lang="en-US" smtClean="0"/>
-              <a:t>6/7/2023</a:t>
+              <a:t>6/8/2023</a:t>
             </a:fld>
             <a:endParaRPr lang="en-US"/>
           </a:p>
@@ -3249,7 +3250,7 @@
             <a:fld id="{3762EC29-B8C5-4C7A-B6DA-418494D5CB21}" type="datetimeFigureOut">
               <a:rPr lang="en-US" smtClean="0"/>
               <a:pPr/>
-              <a:t>6/7/2023</a:t>
+              <a:t>6/8/2023</a:t>
             </a:fld>
             <a:endParaRPr lang="en-US"/>
           </a:p>
@@ -3646,63 +3647,137 @@
           <a:chExt cx="0" cy="0"/>
         </a:xfrm>
       </p:grpSpPr>
-      <p:sp>
-        <p:nvSpPr>
-          <p:cNvPr id="2" name="Title 1"/>
-          <p:cNvSpPr>
-            <a:spLocks noGrp="1"/>
-          </p:cNvSpPr>
-          <p:nvPr>
-            <p:ph type="ctrTitle"/>
-          </p:nvPr>
+      <p:pic>
+        <p:nvPicPr>
+          <p:cNvPr id="2050" name="Picture 2" descr="Nba-commercial GIFs - Get the best GIF on GIPHY">
+            <a:extLst>
+              <a:ext uri="{FF2B5EF4-FFF2-40B4-BE49-F238E27FC236}">
+                <a16:creationId xmlns:a16="http://schemas.microsoft.com/office/drawing/2014/main" id="{682C8AAC-EC13-7EB4-F762-A9D137CE2CEF}"/>
+              </a:ext>
+            </a:extLst>
+          </p:cNvPr>
+          <p:cNvPicPr>
+            <a:picLocks noGrp="1" noChangeAspect="1" noChangeArrowheads="1"/>
+          </p:cNvPicPr>
+          <p:nvPr>
+            <p:ph idx="1"/>
+          </p:nvPr>
+        </p:nvPicPr>
+        <p:blipFill>
+          <a:blip r:embed="rId2">
+            <a:extLst>
+              <a:ext uri="{28A0092B-C50C-407E-A947-70E740481C1C}">
+                <a14:useLocalDpi xmlns:a14="http://schemas.microsoft.com/office/drawing/2010/main" val="0"/>
+              </a:ext>
+            </a:extLst>
+          </a:blip>
+          <a:srcRect/>
+          <a:stretch>
+            <a:fillRect/>
+          </a:stretch>
+        </p:blipFill>
+        <p:spPr bwMode="auto">
+          <a:xfrm>
+            <a:off x="609600" y="1143000"/>
+            <a:ext cx="10972800" cy="5257800"/>
+          </a:xfrm>
+          <a:prstGeom prst="rect">
+            <a:avLst/>
+          </a:prstGeom>
+          <a:noFill/>
+          <a:extLst>
+            <a:ext uri="{909E8E84-426E-40DD-AFC4-6F175D3DCCD1}">
+              <a14:hiddenFill xmlns:a14="http://schemas.microsoft.com/office/drawing/2010/main">
+                <a:solidFill>
+                  <a:srgbClr val="FFFFFF"/>
+                </a:solidFill>
+              </a14:hiddenFill>
+            </a:ext>
+          </a:extLst>
+        </p:spPr>
+      </p:pic>
+      <p:sp>
+        <p:nvSpPr>
+          <p:cNvPr id="4" name="TextBox 3">
+            <a:extLst>
+              <a:ext uri="{FF2B5EF4-FFF2-40B4-BE49-F238E27FC236}">
+                <a16:creationId xmlns:a16="http://schemas.microsoft.com/office/drawing/2014/main" id="{C173641A-00C5-D4D1-E366-0FE3C543840D}"/>
+              </a:ext>
+            </a:extLst>
+          </p:cNvPr>
+          <p:cNvSpPr txBox="1"/>
+          <p:nvPr/>
         </p:nvSpPr>
         <p:spPr>
           <a:xfrm>
-            <a:off x="5181600" y="304801"/>
-            <a:ext cx="6781800" cy="4648199"/>
+            <a:off x="609600" y="72479"/>
+            <a:ext cx="10972800" cy="769441"/>
           </a:xfrm>
+          <a:prstGeom prst="rect">
+            <a:avLst/>
+          </a:prstGeom>
+          <a:noFill/>
         </p:spPr>
         <p:txBody>
-          <a:bodyPr>
-            <a:normAutofit/>
+          <a:bodyPr wrap="square" rtlCol="0">
+            <a:spAutoFit/>
           </a:bodyPr>
           <a:lstStyle/>
           <a:p>
-            <a:r>
-              <a:rPr lang="en-US" dirty="0"/>
-              <a:t>2023 NBA Finals </a:t>
-            </a:r>
-            <a:br>
-              <a:rPr lang="en-US" dirty="0"/>
-            </a:br>
-            <a:br>
-              <a:rPr lang="en-US" dirty="0"/>
-            </a:br>
-            <a:r>
-              <a:rPr lang="en-US" dirty="0"/>
-              <a:t>	*MVP Predictor</a:t>
-            </a:r>
-            <a:br>
-              <a:rPr lang="en-US" dirty="0"/>
-            </a:br>
-            <a:br>
-              <a:rPr lang="en-US" dirty="0"/>
-            </a:br>
-            <a:r>
-              <a:rPr lang="en-US" dirty="0"/>
-              <a:t>	*Winning Team</a:t>
-            </a:r>
-            <a:br>
-              <a:rPr lang="en-US" dirty="0"/>
-            </a:br>
-            <a:endParaRPr lang="en-US" dirty="0"/>
+            <a:pPr algn="ctr"/>
+            <a:r>
+              <a:rPr lang="en-US" sz="4400" dirty="0"/>
+              <a:t>NBA MONEYBALL</a:t>
+            </a:r>
           </a:p>
         </p:txBody>
       </p:sp>
     </p:spTree>
     <p:extLst>
       <p:ext uri="{BB962C8B-B14F-4D97-AF65-F5344CB8AC3E}">
-        <p14:creationId xmlns:p14="http://schemas.microsoft.com/office/powerpoint/2010/main" val="576090978"/>
+        <p14:creationId xmlns:p14="http://schemas.microsoft.com/office/powerpoint/2010/main" val="259830435"/>
+      </p:ext>
+    </p:extLst>
+  </p:cSld>
+  <p:clrMapOvr>
+    <a:masterClrMapping/>
+  </p:clrMapOvr>
+  <mc:AlternateContent xmlns:mc="http://schemas.openxmlformats.org/markup-compatibility/2006" xmlns:p14="http://schemas.microsoft.com/office/powerpoint/2010/main">
+    <mc:Choice Requires="p14">
+      <p:transition spd="med" p14:dur="700">
+        <p:fade/>
+      </p:transition>
+    </mc:Choice>
+    <mc:Fallback xmlns="">
+      <p:transition spd="med">
+        <p:fade/>
+      </p:transition>
+    </mc:Fallback>
+  </mc:AlternateContent>
+</p:sld>
+</file>
+
+<file path=ppt/slides/slide10.xml><?xml version="1.0" encoding="utf-8"?>
+<p:sld xmlns:a="http://schemas.openxmlformats.org/drawingml/2006/main" xmlns:r="http://schemas.openxmlformats.org/officeDocument/2006/relationships" xmlns:p="http://schemas.openxmlformats.org/presentationml/2006/main">
+  <p:cSld>
+    <p:spTree>
+      <p:nvGrpSpPr>
+        <p:cNvPr id="1" name=""/>
+        <p:cNvGrpSpPr/>
+        <p:nvPr/>
+      </p:nvGrpSpPr>
+      <p:grpSpPr>
+        <a:xfrm>
+          <a:off x="0" y="0"/>
+          <a:ext cx="0" cy="0"/>
+          <a:chOff x="0" y="0"/>
+          <a:chExt cx="0" cy="0"/>
+        </a:xfrm>
+      </p:grpSpPr>
+    </p:spTree>
+    <p:extLst>
+      <p:ext uri="{BB962C8B-B14F-4D97-AF65-F5344CB8AC3E}">
+        <p14:creationId xmlns:p14="http://schemas.microsoft.com/office/powerpoint/2010/main" val="242861733"/>
       </p:ext>
     </p:extLst>
   </p:cSld>
@@ -3748,13 +3823,13 @@
             <a:spLocks noGrp="1"/>
           </p:cNvSpPr>
           <p:nvPr>
-            <p:ph type="title"/>
+            <p:ph type="ctrTitle"/>
           </p:nvPr>
         </p:nvSpPr>
         <p:spPr>
           <a:xfrm>
-            <a:off x="7467600" y="228600"/>
-            <a:ext cx="4724400" cy="4648200"/>
+            <a:off x="5181600" y="304801"/>
+            <a:ext cx="6781800" cy="4648199"/>
           </a:xfrm>
         </p:spPr>
         <p:txBody>
@@ -3764,70 +3839,28 @@
           <a:lstStyle/>
           <a:p>
             <a:r>
-              <a:rPr lang="en-US" sz="3200" dirty="0">
-                <a:solidFill>
-                  <a:schemeClr val="accent4">
-                    <a:lumMod val="50000"/>
-                    <a:lumOff val="50000"/>
-                  </a:schemeClr>
-                </a:solidFill>
-              </a:rPr>
-              <a:t>Machine Learning Models: </a:t>
+              <a:rPr lang="en-US" dirty="0"/>
+              <a:t>2023 NBA Finals </a:t>
             </a:r>
             <a:br>
-              <a:rPr lang="en-US" dirty="0">
-                <a:solidFill>
-                  <a:schemeClr val="accent4">
-                    <a:lumMod val="25000"/>
-                    <a:lumOff val="75000"/>
-                  </a:schemeClr>
-                </a:solidFill>
-              </a:rPr>
+              <a:rPr lang="en-US" dirty="0"/>
             </a:br>
             <a:br>
               <a:rPr lang="en-US" dirty="0"/>
             </a:br>
             <a:r>
-              <a:rPr lang="en-US" sz="2800" dirty="0">
-                <a:solidFill>
-                  <a:schemeClr val="accent1">
-                    <a:lumMod val="40000"/>
-                    <a:lumOff val="60000"/>
-                  </a:schemeClr>
-                </a:solidFill>
-              </a:rPr>
-              <a:t>* Linear Regression (MVP prediction)</a:t>
+              <a:rPr lang="en-US" dirty="0"/>
+              <a:t>	*MVP Predictor</a:t>
             </a:r>
             <a:br>
-              <a:rPr lang="en-US" sz="2800" dirty="0">
-                <a:solidFill>
-                  <a:schemeClr val="accent1">
-                    <a:lumMod val="40000"/>
-                    <a:lumOff val="60000"/>
-                  </a:schemeClr>
-                </a:solidFill>
-              </a:rPr>
+              <a:rPr lang="en-US" dirty="0"/>
             </a:br>
             <a:br>
-              <a:rPr lang="en-US" sz="2800" dirty="0">
-                <a:solidFill>
-                  <a:schemeClr val="accent1">
-                    <a:lumMod val="40000"/>
-                    <a:lumOff val="60000"/>
-                  </a:schemeClr>
-                </a:solidFill>
-              </a:rPr>
+              <a:rPr lang="en-US" dirty="0"/>
             </a:br>
             <a:r>
-              <a:rPr lang="en-US" sz="2800" dirty="0">
-                <a:solidFill>
-                  <a:schemeClr val="accent1">
-                    <a:lumMod val="40000"/>
-                    <a:lumOff val="60000"/>
-                  </a:schemeClr>
-                </a:solidFill>
-              </a:rPr>
-              <a:t>* Random Forest Regressor (Team Game predictions)</a:t>
+              <a:rPr lang="en-US" dirty="0"/>
+              <a:t>	*Winning Team</a:t>
             </a:r>
             <a:br>
               <a:rPr lang="en-US" dirty="0"/>
@@ -3838,15 +3871,19 @@
       </p:sp>
       <p:pic>
         <p:nvPicPr>
-          <p:cNvPr id="5" name="Picture Placeholder 4" descr="Basketball players raising hands together"/>
+          <p:cNvPr id="1028" name="Picture 4" descr="NBA Season Recaps: A look back at every season since 1946 | NBA.com">
+            <a:extLst>
+              <a:ext uri="{FF2B5EF4-FFF2-40B4-BE49-F238E27FC236}">
+                <a16:creationId xmlns:a16="http://schemas.microsoft.com/office/drawing/2014/main" id="{F4292BE0-71CD-6B6A-71FE-5923CE05E49B}"/>
+              </a:ext>
+            </a:extLst>
+          </p:cNvPr>
           <p:cNvPicPr>
-            <a:picLocks noGrp="1" noChangeAspect="1"/>
+            <a:picLocks noChangeAspect="1" noChangeArrowheads="1"/>
           </p:cNvPicPr>
-          <p:nvPr>
-            <p:ph type="pic" idx="1"/>
-          </p:nvPr>
+          <p:nvPr/>
         </p:nvPicPr>
-        <p:blipFill rotWithShape="1">
+        <p:blipFill>
           <a:blip r:embed="rId2" cstate="print">
             <a:extLst>
               <a:ext uri="{28A0092B-C50C-407E-A947-70E740481C1C}">
@@ -3855,90 +3892,34 @@
             </a:extLst>
           </a:blip>
           <a:srcRect/>
-          <a:stretch/>
+          <a:stretch>
+            <a:fillRect/>
+          </a:stretch>
         </p:blipFill>
-        <p:spPr/>
+        <p:spPr bwMode="auto">
+          <a:xfrm>
+            <a:off x="228600" y="228600"/>
+            <a:ext cx="4038600" cy="1600200"/>
+          </a:xfrm>
+          <a:prstGeom prst="rect">
+            <a:avLst/>
+          </a:prstGeom>
+          <a:noFill/>
+          <a:extLst>
+            <a:ext uri="{909E8E84-426E-40DD-AFC4-6F175D3DCCD1}">
+              <a14:hiddenFill xmlns:a14="http://schemas.microsoft.com/office/drawing/2010/main">
+                <a:solidFill>
+                  <a:srgbClr val="FFFFFF"/>
+                </a:solidFill>
+              </a14:hiddenFill>
+            </a:ext>
+          </a:extLst>
+        </p:spPr>
       </p:pic>
-      <p:sp>
-        <p:nvSpPr>
-          <p:cNvPr id="6" name="Rounded Rectangle 5" hidden="1"/>
-          <p:cNvSpPr/>
-          <p:nvPr/>
-        </p:nvSpPr>
-        <p:spPr>
-          <a:xfrm>
-            <a:off x="12344400" y="152400"/>
-            <a:ext cx="1295400" cy="6553200"/>
-          </a:xfrm>
-          <a:prstGeom prst="roundRect">
-            <a:avLst>
-              <a:gd name="adj" fmla="val 9717"/>
-            </a:avLst>
-          </a:prstGeom>
-          <a:solidFill>
-            <a:srgbClr val="A6A6A6"/>
-          </a:solidFill>
-          <a:ln>
-            <a:noFill/>
-          </a:ln>
-        </p:spPr>
-        <p:style>
-          <a:lnRef idx="2">
-            <a:schemeClr val="accent1">
-              <a:shade val="50000"/>
-            </a:schemeClr>
-          </a:lnRef>
-          <a:fillRef idx="1">
-            <a:schemeClr val="accent1"/>
-          </a:fillRef>
-          <a:effectRef idx="0">
-            <a:schemeClr val="accent1"/>
-          </a:effectRef>
-          <a:fontRef idx="minor">
-            <a:schemeClr val="lt1"/>
-          </a:fontRef>
-        </p:style>
-        <p:txBody>
-          <a:bodyPr rot="0" spcFirstLastPara="0" vertOverflow="overflow" horzOverflow="overflow" vert="horz" wrap="square" lIns="91440" tIns="45720" rIns="91440" bIns="45720" numCol="1" spcCol="0" rtlCol="0" fromWordArt="0" anchor="t" anchorCtr="0" forceAA="0" compatLnSpc="1">
-            <a:prstTxWarp prst="textNoShape">
-              <a:avLst/>
-            </a:prstTxWarp>
-            <a:noAutofit/>
-          </a:bodyPr>
-          <a:lstStyle/>
-          <a:p>
-            <a:r>
-              <a:rPr lang="en-US" sz="1200" b="1" i="1" dirty="0">
-                <a:latin typeface="Arial" pitchFamily="34" charset="0"/>
-                <a:cs typeface="Arial" pitchFamily="34" charset="0"/>
-              </a:rPr>
-              <a:t>NOTE:</a:t>
-            </a:r>
-          </a:p>
-          <a:p>
-            <a:r>
-              <a:rPr lang="en-US" sz="1200" i="1" dirty="0">
-                <a:latin typeface="Arial" pitchFamily="34" charset="0"/>
-                <a:cs typeface="Arial" pitchFamily="34" charset="0"/>
-              </a:rPr>
-              <a:t>To change images on this slide, select a picture and delete it. Then click the Insert Picture icon</a:t>
-            </a:r>
-          </a:p>
-          <a:p>
-            <a:r>
-              <a:rPr lang="en-US" sz="1200" i="1" dirty="0">
-                <a:latin typeface="Arial" pitchFamily="34" charset="0"/>
-                <a:cs typeface="Arial" pitchFamily="34" charset="0"/>
-              </a:rPr>
-              <a:t>in the placeholder to insert your own image.</a:t>
-            </a:r>
-          </a:p>
-        </p:txBody>
-      </p:sp>
     </p:spTree>
     <p:extLst>
       <p:ext uri="{BB962C8B-B14F-4D97-AF65-F5344CB8AC3E}">
-        <p14:creationId xmlns:p14="http://schemas.microsoft.com/office/powerpoint/2010/main" val="3053388791"/>
+        <p14:creationId xmlns:p14="http://schemas.microsoft.com/office/powerpoint/2010/main" val="576090978"/>
       </p:ext>
     </p:extLst>
   </p:cSld>
@@ -3989,6 +3970,242 @@
         </p:nvSpPr>
         <p:spPr>
           <a:xfrm>
+            <a:off x="7467600" y="228600"/>
+            <a:ext cx="4724400" cy="4648200"/>
+          </a:xfrm>
+        </p:spPr>
+        <p:txBody>
+          <a:bodyPr>
+            <a:normAutofit/>
+          </a:bodyPr>
+          <a:lstStyle/>
+          <a:p>
+            <a:r>
+              <a:rPr lang="en-US" sz="3200" dirty="0">
+                <a:solidFill>
+                  <a:schemeClr val="accent4">
+                    <a:lumMod val="50000"/>
+                    <a:lumOff val="50000"/>
+                  </a:schemeClr>
+                </a:solidFill>
+              </a:rPr>
+              <a:t>Machine Learning Models: </a:t>
+            </a:r>
+            <a:br>
+              <a:rPr lang="en-US" dirty="0">
+                <a:solidFill>
+                  <a:schemeClr val="accent4">
+                    <a:lumMod val="25000"/>
+                    <a:lumOff val="75000"/>
+                  </a:schemeClr>
+                </a:solidFill>
+              </a:rPr>
+            </a:br>
+            <a:br>
+              <a:rPr lang="en-US" dirty="0"/>
+            </a:br>
+            <a:r>
+              <a:rPr lang="en-US" sz="2800" dirty="0">
+                <a:solidFill>
+                  <a:schemeClr val="accent1">
+                    <a:lumMod val="40000"/>
+                    <a:lumOff val="60000"/>
+                  </a:schemeClr>
+                </a:solidFill>
+              </a:rPr>
+              <a:t>* Linear Regression (MVP prediction)</a:t>
+            </a:r>
+            <a:br>
+              <a:rPr lang="en-US" sz="2800" dirty="0">
+                <a:solidFill>
+                  <a:schemeClr val="accent1">
+                    <a:lumMod val="40000"/>
+                    <a:lumOff val="60000"/>
+                  </a:schemeClr>
+                </a:solidFill>
+              </a:rPr>
+            </a:br>
+            <a:br>
+              <a:rPr lang="en-US" sz="2800" dirty="0">
+                <a:solidFill>
+                  <a:schemeClr val="accent1">
+                    <a:lumMod val="40000"/>
+                    <a:lumOff val="60000"/>
+                  </a:schemeClr>
+                </a:solidFill>
+              </a:rPr>
+            </a:br>
+            <a:r>
+              <a:rPr lang="en-US" sz="2800" dirty="0">
+                <a:solidFill>
+                  <a:schemeClr val="accent1">
+                    <a:lumMod val="40000"/>
+                    <a:lumOff val="60000"/>
+                  </a:schemeClr>
+                </a:solidFill>
+              </a:rPr>
+              <a:t>* Random Forest Regressor (Team Game predictions)</a:t>
+            </a:r>
+            <a:br>
+              <a:rPr lang="en-US" dirty="0"/>
+            </a:br>
+            <a:endParaRPr lang="en-US" dirty="0"/>
+          </a:p>
+        </p:txBody>
+      </p:sp>
+      <p:pic>
+        <p:nvPicPr>
+          <p:cNvPr id="5" name="Picture Placeholder 4" descr="Basketball players raising hands together"/>
+          <p:cNvPicPr>
+            <a:picLocks noGrp="1" noChangeAspect="1"/>
+          </p:cNvPicPr>
+          <p:nvPr>
+            <p:ph type="pic" idx="1"/>
+          </p:nvPr>
+        </p:nvPicPr>
+        <p:blipFill rotWithShape="1">
+          <a:blip r:embed="rId2" cstate="print">
+            <a:extLst>
+              <a:ext uri="{28A0092B-C50C-407E-A947-70E740481C1C}">
+                <a14:useLocalDpi xmlns:a14="http://schemas.microsoft.com/office/drawing/2010/main" val="0"/>
+              </a:ext>
+            </a:extLst>
+          </a:blip>
+          <a:srcRect/>
+          <a:stretch/>
+        </p:blipFill>
+        <p:spPr/>
+      </p:pic>
+      <p:sp>
+        <p:nvSpPr>
+          <p:cNvPr id="6" name="Rounded Rectangle 5" hidden="1"/>
+          <p:cNvSpPr/>
+          <p:nvPr/>
+        </p:nvSpPr>
+        <p:spPr>
+          <a:xfrm>
+            <a:off x="12344400" y="152400"/>
+            <a:ext cx="1295400" cy="6553200"/>
+          </a:xfrm>
+          <a:prstGeom prst="roundRect">
+            <a:avLst>
+              <a:gd name="adj" fmla="val 9717"/>
+            </a:avLst>
+          </a:prstGeom>
+          <a:solidFill>
+            <a:srgbClr val="A6A6A6"/>
+          </a:solidFill>
+          <a:ln>
+            <a:noFill/>
+          </a:ln>
+        </p:spPr>
+        <p:style>
+          <a:lnRef idx="2">
+            <a:schemeClr val="accent1">
+              <a:shade val="50000"/>
+            </a:schemeClr>
+          </a:lnRef>
+          <a:fillRef idx="1">
+            <a:schemeClr val="accent1"/>
+          </a:fillRef>
+          <a:effectRef idx="0">
+            <a:schemeClr val="accent1"/>
+          </a:effectRef>
+          <a:fontRef idx="minor">
+            <a:schemeClr val="lt1"/>
+          </a:fontRef>
+        </p:style>
+        <p:txBody>
+          <a:bodyPr rot="0" spcFirstLastPara="0" vertOverflow="overflow" horzOverflow="overflow" vert="horz" wrap="square" lIns="91440" tIns="45720" rIns="91440" bIns="45720" numCol="1" spcCol="0" rtlCol="0" fromWordArt="0" anchor="t" anchorCtr="0" forceAA="0" compatLnSpc="1">
+            <a:prstTxWarp prst="textNoShape">
+              <a:avLst/>
+            </a:prstTxWarp>
+            <a:noAutofit/>
+          </a:bodyPr>
+          <a:lstStyle/>
+          <a:p>
+            <a:r>
+              <a:rPr lang="en-US" sz="1200" b="1" i="1" dirty="0">
+                <a:latin typeface="Arial" pitchFamily="34" charset="0"/>
+                <a:cs typeface="Arial" pitchFamily="34" charset="0"/>
+              </a:rPr>
+              <a:t>NOTE:</a:t>
+            </a:r>
+          </a:p>
+          <a:p>
+            <a:r>
+              <a:rPr lang="en-US" sz="1200" i="1" dirty="0">
+                <a:latin typeface="Arial" pitchFamily="34" charset="0"/>
+                <a:cs typeface="Arial" pitchFamily="34" charset="0"/>
+              </a:rPr>
+              <a:t>To change images on this slide, select a picture and delete it. Then click the Insert Picture icon</a:t>
+            </a:r>
+          </a:p>
+          <a:p>
+            <a:r>
+              <a:rPr lang="en-US" sz="1200" i="1" dirty="0">
+                <a:latin typeface="Arial" pitchFamily="34" charset="0"/>
+                <a:cs typeface="Arial" pitchFamily="34" charset="0"/>
+              </a:rPr>
+              <a:t>in the placeholder to insert your own image.</a:t>
+            </a:r>
+          </a:p>
+        </p:txBody>
+      </p:sp>
+    </p:spTree>
+    <p:extLst>
+      <p:ext uri="{BB962C8B-B14F-4D97-AF65-F5344CB8AC3E}">
+        <p14:creationId xmlns:p14="http://schemas.microsoft.com/office/powerpoint/2010/main" val="3053388791"/>
+      </p:ext>
+    </p:extLst>
+  </p:cSld>
+  <p:clrMapOvr>
+    <a:masterClrMapping/>
+  </p:clrMapOvr>
+  <mc:AlternateContent xmlns:mc="http://schemas.openxmlformats.org/markup-compatibility/2006" xmlns:p14="http://schemas.microsoft.com/office/powerpoint/2010/main">
+    <mc:Choice Requires="p14">
+      <p:transition spd="med" p14:dur="700">
+        <p:fade/>
+      </p:transition>
+    </mc:Choice>
+    <mc:Fallback xmlns="">
+      <p:transition spd="med">
+        <p:fade/>
+      </p:transition>
+    </mc:Fallback>
+  </mc:AlternateContent>
+</p:sld>
+</file>
+
+<file path=ppt/slides/slide4.xml><?xml version="1.0" encoding="utf-8"?>
+<p:sld xmlns:a="http://schemas.openxmlformats.org/drawingml/2006/main" xmlns:r="http://schemas.openxmlformats.org/officeDocument/2006/relationships" xmlns:p="http://schemas.openxmlformats.org/presentationml/2006/main">
+  <p:cSld>
+    <p:spTree>
+      <p:nvGrpSpPr>
+        <p:cNvPr id="1" name=""/>
+        <p:cNvGrpSpPr/>
+        <p:nvPr/>
+      </p:nvGrpSpPr>
+      <p:grpSpPr>
+        <a:xfrm>
+          <a:off x="0" y="0"/>
+          <a:ext cx="0" cy="0"/>
+          <a:chOff x="0" y="0"/>
+          <a:chExt cx="0" cy="0"/>
+        </a:xfrm>
+      </p:grpSpPr>
+      <p:sp>
+        <p:nvSpPr>
+          <p:cNvPr id="2" name="Title 1"/>
+          <p:cNvSpPr>
+            <a:spLocks noGrp="1"/>
+          </p:cNvSpPr>
+          <p:nvPr>
+            <p:ph type="title"/>
+          </p:nvPr>
+        </p:nvSpPr>
+        <p:spPr>
+          <a:xfrm>
             <a:off x="1066800" y="228600"/>
             <a:ext cx="10058400" cy="914400"/>
           </a:xfrm>
@@ -4109,7 +4326,7 @@
 </p:sld>
 </file>
 
-<file path=ppt/slides/slide4.xml><?xml version="1.0" encoding="utf-8"?>
+<file path=ppt/slides/slide5.xml><?xml version="1.0" encoding="utf-8"?>
 <p:sld xmlns:a="http://schemas.openxmlformats.org/drawingml/2006/main" xmlns:r="http://schemas.openxmlformats.org/officeDocument/2006/relationships" xmlns:p="http://schemas.openxmlformats.org/presentationml/2006/main">
   <p:cSld>
     <p:spTree>
@@ -4225,7 +4442,7 @@
 </p:sld>
 </file>
 
-<file path=ppt/slides/slide5.xml><?xml version="1.0" encoding="utf-8"?>
+<file path=ppt/slides/slide6.xml><?xml version="1.0" encoding="utf-8"?>
 <p:sld xmlns:a="http://schemas.openxmlformats.org/drawingml/2006/main" xmlns:r="http://schemas.openxmlformats.org/officeDocument/2006/relationships" xmlns:p="http://schemas.openxmlformats.org/presentationml/2006/main">
   <p:cSld>
     <p:spTree>
@@ -4576,89 +4793,6 @@
 </p:sld>
 </file>
 
-<file path=ppt/slides/slide6.xml><?xml version="1.0" encoding="utf-8"?>
-<p:sld xmlns:a="http://schemas.openxmlformats.org/drawingml/2006/main" xmlns:r="http://schemas.openxmlformats.org/officeDocument/2006/relationships" xmlns:p="http://schemas.openxmlformats.org/presentationml/2006/main">
-  <p:cSld>
-    <p:spTree>
-      <p:nvGrpSpPr>
-        <p:cNvPr id="1" name=""/>
-        <p:cNvGrpSpPr/>
-        <p:nvPr/>
-      </p:nvGrpSpPr>
-      <p:grpSpPr>
-        <a:xfrm>
-          <a:off x="0" y="0"/>
-          <a:ext cx="0" cy="0"/>
-          <a:chOff x="0" y="0"/>
-          <a:chExt cx="0" cy="0"/>
-        </a:xfrm>
-      </p:grpSpPr>
-      <p:sp>
-        <p:nvSpPr>
-          <p:cNvPr id="2" name="Title 1"/>
-          <p:cNvSpPr>
-            <a:spLocks noGrp="1"/>
-          </p:cNvSpPr>
-          <p:nvPr>
-            <p:ph type="title"/>
-          </p:nvPr>
-        </p:nvSpPr>
-        <p:spPr/>
-        <p:txBody>
-          <a:bodyPr/>
-          <a:lstStyle/>
-          <a:p>
-            <a:r>
-              <a:rPr lang="en-US" dirty="0"/>
-              <a:t>Add a Slide Title - 1</a:t>
-            </a:r>
-          </a:p>
-        </p:txBody>
-      </p:sp>
-      <p:sp>
-        <p:nvSpPr>
-          <p:cNvPr id="3" name="Text Placeholder 2"/>
-          <p:cNvSpPr>
-            <a:spLocks noGrp="1"/>
-          </p:cNvSpPr>
-          <p:nvPr>
-            <p:ph type="body" idx="1"/>
-          </p:nvPr>
-        </p:nvSpPr>
-        <p:spPr/>
-        <p:txBody>
-          <a:bodyPr/>
-          <a:lstStyle/>
-          <a:p>
-            <a:endParaRPr lang="en-US"/>
-          </a:p>
-        </p:txBody>
-      </p:sp>
-    </p:spTree>
-    <p:extLst>
-      <p:ext uri="{BB962C8B-B14F-4D97-AF65-F5344CB8AC3E}">
-        <p14:creationId xmlns:p14="http://schemas.microsoft.com/office/powerpoint/2010/main" val="2993111047"/>
-      </p:ext>
-    </p:extLst>
-  </p:cSld>
-  <p:clrMapOvr>
-    <a:masterClrMapping/>
-  </p:clrMapOvr>
-  <mc:AlternateContent xmlns:mc="http://schemas.openxmlformats.org/markup-compatibility/2006" xmlns:p14="http://schemas.microsoft.com/office/powerpoint/2010/main">
-    <mc:Choice Requires="p14">
-      <p:transition spd="med" p14:dur="700">
-        <p:fade/>
-      </p:transition>
-    </mc:Choice>
-    <mc:Fallback xmlns="">
-      <p:transition spd="med">
-        <p:fade/>
-      </p:transition>
-    </mc:Fallback>
-  </mc:AlternateContent>
-</p:sld>
-</file>
-
 <file path=ppt/slides/slide7.xml><?xml version="1.0" encoding="utf-8"?>
 <p:sld xmlns:a="http://schemas.openxmlformats.org/drawingml/2006/main" xmlns:r="http://schemas.openxmlformats.org/officeDocument/2006/relationships" xmlns:p="http://schemas.openxmlformats.org/presentationml/2006/main">
   <p:cSld>
@@ -4693,7 +4827,7 @@
           <a:p>
             <a:r>
               <a:rPr lang="en-US" dirty="0"/>
-              <a:t>Add a Slide Title - 2</a:t>
+              <a:t>Add a Slide Title - 1</a:t>
             </a:r>
           </a:p>
         </p:txBody>
@@ -4706,63 +4840,6 @@
           </p:cNvSpPr>
           <p:nvPr>
             <p:ph type="body" idx="1"/>
-          </p:nvPr>
-        </p:nvSpPr>
-        <p:spPr/>
-        <p:txBody>
-          <a:bodyPr/>
-          <a:lstStyle/>
-          <a:p>
-            <a:endParaRPr lang="en-US"/>
-          </a:p>
-        </p:txBody>
-      </p:sp>
-      <p:sp>
-        <p:nvSpPr>
-          <p:cNvPr id="4" name="Content Placeholder 3"/>
-          <p:cNvSpPr>
-            <a:spLocks noGrp="1"/>
-          </p:cNvSpPr>
-          <p:nvPr>
-            <p:ph sz="half" idx="2"/>
-          </p:nvPr>
-        </p:nvSpPr>
-        <p:spPr/>
-        <p:txBody>
-          <a:bodyPr/>
-          <a:lstStyle/>
-          <a:p>
-            <a:endParaRPr lang="en-US"/>
-          </a:p>
-        </p:txBody>
-      </p:sp>
-      <p:sp>
-        <p:nvSpPr>
-          <p:cNvPr id="5" name="Text Placeholder 4"/>
-          <p:cNvSpPr>
-            <a:spLocks noGrp="1"/>
-          </p:cNvSpPr>
-          <p:nvPr>
-            <p:ph type="body" sz="quarter" idx="3"/>
-          </p:nvPr>
-        </p:nvSpPr>
-        <p:spPr/>
-        <p:txBody>
-          <a:bodyPr/>
-          <a:lstStyle/>
-          <a:p>
-            <a:endParaRPr lang="en-US"/>
-          </a:p>
-        </p:txBody>
-      </p:sp>
-      <p:sp>
-        <p:nvSpPr>
-          <p:cNvPr id="6" name="Content Placeholder 5"/>
-          <p:cNvSpPr>
-            <a:spLocks noGrp="1"/>
-          </p:cNvSpPr>
-          <p:nvPr>
-            <p:ph sz="quarter" idx="4"/>
           </p:nvPr>
         </p:nvSpPr>
         <p:spPr/>
@@ -4777,7 +4854,7 @@
     </p:spTree>
     <p:extLst>
       <p:ext uri="{BB962C8B-B14F-4D97-AF65-F5344CB8AC3E}">
-        <p14:creationId xmlns:p14="http://schemas.microsoft.com/office/powerpoint/2010/main" val="4078798235"/>
+        <p14:creationId xmlns:p14="http://schemas.microsoft.com/office/powerpoint/2010/main" val="2993111047"/>
       </p:ext>
     </p:extLst>
   </p:cSld>
@@ -4833,15 +4910,91 @@
           <a:p>
             <a:r>
               <a:rPr lang="en-US" dirty="0"/>
-              <a:t>Add a Slide Title - 3</a:t>
-            </a:r>
+              <a:t>Add a Slide Title - 2</a:t>
+            </a:r>
+          </a:p>
+        </p:txBody>
+      </p:sp>
+      <p:sp>
+        <p:nvSpPr>
+          <p:cNvPr id="3" name="Text Placeholder 2"/>
+          <p:cNvSpPr>
+            <a:spLocks noGrp="1"/>
+          </p:cNvSpPr>
+          <p:nvPr>
+            <p:ph type="body" idx="1"/>
+          </p:nvPr>
+        </p:nvSpPr>
+        <p:spPr/>
+        <p:txBody>
+          <a:bodyPr/>
+          <a:lstStyle/>
+          <a:p>
+            <a:endParaRPr lang="en-US"/>
+          </a:p>
+        </p:txBody>
+      </p:sp>
+      <p:sp>
+        <p:nvSpPr>
+          <p:cNvPr id="4" name="Content Placeholder 3"/>
+          <p:cNvSpPr>
+            <a:spLocks noGrp="1"/>
+          </p:cNvSpPr>
+          <p:nvPr>
+            <p:ph sz="half" idx="2"/>
+          </p:nvPr>
+        </p:nvSpPr>
+        <p:spPr/>
+        <p:txBody>
+          <a:bodyPr/>
+          <a:lstStyle/>
+          <a:p>
+            <a:endParaRPr lang="en-US"/>
+          </a:p>
+        </p:txBody>
+      </p:sp>
+      <p:sp>
+        <p:nvSpPr>
+          <p:cNvPr id="5" name="Text Placeholder 4"/>
+          <p:cNvSpPr>
+            <a:spLocks noGrp="1"/>
+          </p:cNvSpPr>
+          <p:nvPr>
+            <p:ph type="body" sz="quarter" idx="3"/>
+          </p:nvPr>
+        </p:nvSpPr>
+        <p:spPr/>
+        <p:txBody>
+          <a:bodyPr/>
+          <a:lstStyle/>
+          <a:p>
+            <a:endParaRPr lang="en-US"/>
+          </a:p>
+        </p:txBody>
+      </p:sp>
+      <p:sp>
+        <p:nvSpPr>
+          <p:cNvPr id="6" name="Content Placeholder 5"/>
+          <p:cNvSpPr>
+            <a:spLocks noGrp="1"/>
+          </p:cNvSpPr>
+          <p:nvPr>
+            <p:ph sz="quarter" idx="4"/>
+          </p:nvPr>
+        </p:nvSpPr>
+        <p:spPr/>
+        <p:txBody>
+          <a:bodyPr/>
+          <a:lstStyle/>
+          <a:p>
+            <a:endParaRPr lang="en-US"/>
           </a:p>
         </p:txBody>
       </p:sp>
     </p:spTree>
     <p:extLst>
       <p:ext uri="{BB962C8B-B14F-4D97-AF65-F5344CB8AC3E}">
-        <p14:creationId xmlns:p14="http://schemas.microsoft.com/office/powerpoint/2010/main" val="1864551520"/>
+        <p14:creationId xmlns:p14="http://schemas.microsoft.com/office/powerpoint/2010/main" val="4078798235"/>
       </p:ext>
     </p:extLst>
   </p:cSld>
@@ -4880,10 +5033,69 @@
           <a:chExt cx="0" cy="0"/>
         </a:xfrm>
       </p:grpSpPr>
+      <p:sp>
+        <p:nvSpPr>
+          <p:cNvPr id="2" name="Title 1"/>
+          <p:cNvSpPr>
+            <a:spLocks noGrp="1"/>
+          </p:cNvSpPr>
+          <p:nvPr>
+            <p:ph type="title"/>
+          </p:nvPr>
+        </p:nvSpPr>
+        <p:spPr>
+          <a:xfrm>
+            <a:off x="1066800" y="304800"/>
+            <a:ext cx="10058400" cy="533400"/>
+          </a:xfrm>
+        </p:spPr>
+        <p:txBody>
+          <a:bodyPr>
+            <a:normAutofit fontScale="90000"/>
+          </a:bodyPr>
+          <a:lstStyle/>
+          <a:p>
+            <a:r>
+              <a:rPr lang="en-US" dirty="0"/>
+              <a:t>Game 4 predictions: results, comparison &amp; potential payout</a:t>
+            </a:r>
+          </a:p>
+        </p:txBody>
+      </p:sp>
+      <p:pic>
+        <p:nvPicPr>
+          <p:cNvPr id="4" name="Picture 3">
+            <a:extLst>
+              <a:ext uri="{FF2B5EF4-FFF2-40B4-BE49-F238E27FC236}">
+                <a16:creationId xmlns:a16="http://schemas.microsoft.com/office/drawing/2014/main" id="{4A40664E-FA96-6913-6E75-7EDB5884DF5E}"/>
+              </a:ext>
+            </a:extLst>
+          </p:cNvPr>
+          <p:cNvPicPr>
+            <a:picLocks noChangeAspect="1"/>
+          </p:cNvPicPr>
+          <p:nvPr/>
+        </p:nvPicPr>
+        <p:blipFill>
+          <a:blip r:embed="rId2"/>
+          <a:stretch>
+            <a:fillRect/>
+          </a:stretch>
+        </p:blipFill>
+        <p:spPr>
+          <a:xfrm>
+            <a:off x="381000" y="990600"/>
+            <a:ext cx="5257800" cy="3327722"/>
+          </a:xfrm>
+          <a:prstGeom prst="rect">
+            <a:avLst/>
+          </a:prstGeom>
+        </p:spPr>
+      </p:pic>
     </p:spTree>
     <p:extLst>
       <p:ext uri="{BB962C8B-B14F-4D97-AF65-F5344CB8AC3E}">
-        <p14:creationId xmlns:p14="http://schemas.microsoft.com/office/powerpoint/2010/main" val="242861733"/>
+        <p14:creationId xmlns:p14="http://schemas.microsoft.com/office/powerpoint/2010/main" val="1864551520"/>
       </p:ext>
     </p:extLst>
   </p:cSld>
